--- a/img/新增 Microsoft PowerPoint 簡報.pptx
+++ b/img/新增 Microsoft PowerPoint 簡報.pptx
@@ -7,6 +7,7 @@
   <p:sldIdLst>
     <p:sldId id="256" r:id="rId2"/>
     <p:sldId id="257" r:id="rId3"/>
+    <p:sldId id="258" r:id="rId4"/>
   </p:sldIdLst>
   <p:sldSz cx="12192000" cy="6858000"/>
   <p:notesSz cx="6858000" cy="9144000"/>
@@ -105,6 +106,11 @@
       </a:defRPr>
     </a:lvl9pPr>
   </p:defaultTextStyle>
+  <p:extLst>
+    <p:ext uri="{EFAFB233-063F-42B5-8137-9DF3F51BA10A}">
+      <p15:sldGuideLst xmlns:p15="http://schemas.microsoft.com/office/powerpoint/2012/main"/>
+    </p:ext>
+  </p:extLst>
 </p:presentation>
 </file>
 
@@ -255,7 +261,7 @@
           <a:p>
             <a:fld id="{68209BFA-762E-4303-B913-2C90AE879D2E}" type="datetimeFigureOut">
               <a:rPr lang="zh-TW" altLang="en-US" smtClean="0"/>
-              <a:t>2023/5/1</a:t>
+              <a:t>2023/5/24</a:t>
             </a:fld>
             <a:endParaRPr lang="zh-TW" altLang="en-US"/>
           </a:p>
@@ -453,7 +459,7 @@
           <a:p>
             <a:fld id="{68209BFA-762E-4303-B913-2C90AE879D2E}" type="datetimeFigureOut">
               <a:rPr lang="zh-TW" altLang="en-US" smtClean="0"/>
-              <a:t>2023/5/1</a:t>
+              <a:t>2023/5/24</a:t>
             </a:fld>
             <a:endParaRPr lang="zh-TW" altLang="en-US"/>
           </a:p>
@@ -661,7 +667,7 @@
           <a:p>
             <a:fld id="{68209BFA-762E-4303-B913-2C90AE879D2E}" type="datetimeFigureOut">
               <a:rPr lang="zh-TW" altLang="en-US" smtClean="0"/>
-              <a:t>2023/5/1</a:t>
+              <a:t>2023/5/24</a:t>
             </a:fld>
             <a:endParaRPr lang="zh-TW" altLang="en-US"/>
           </a:p>
@@ -859,7 +865,7 @@
           <a:p>
             <a:fld id="{68209BFA-762E-4303-B913-2C90AE879D2E}" type="datetimeFigureOut">
               <a:rPr lang="zh-TW" altLang="en-US" smtClean="0"/>
-              <a:t>2023/5/1</a:t>
+              <a:t>2023/5/24</a:t>
             </a:fld>
             <a:endParaRPr lang="zh-TW" altLang="en-US"/>
           </a:p>
@@ -1134,7 +1140,7 @@
           <a:p>
             <a:fld id="{68209BFA-762E-4303-B913-2C90AE879D2E}" type="datetimeFigureOut">
               <a:rPr lang="zh-TW" altLang="en-US" smtClean="0"/>
-              <a:t>2023/5/1</a:t>
+              <a:t>2023/5/24</a:t>
             </a:fld>
             <a:endParaRPr lang="zh-TW" altLang="en-US"/>
           </a:p>
@@ -1399,7 +1405,7 @@
           <a:p>
             <a:fld id="{68209BFA-762E-4303-B913-2C90AE879D2E}" type="datetimeFigureOut">
               <a:rPr lang="zh-TW" altLang="en-US" smtClean="0"/>
-              <a:t>2023/5/1</a:t>
+              <a:t>2023/5/24</a:t>
             </a:fld>
             <a:endParaRPr lang="zh-TW" altLang="en-US"/>
           </a:p>
@@ -1811,7 +1817,7 @@
           <a:p>
             <a:fld id="{68209BFA-762E-4303-B913-2C90AE879D2E}" type="datetimeFigureOut">
               <a:rPr lang="zh-TW" altLang="en-US" smtClean="0"/>
-              <a:t>2023/5/1</a:t>
+              <a:t>2023/5/24</a:t>
             </a:fld>
             <a:endParaRPr lang="zh-TW" altLang="en-US"/>
           </a:p>
@@ -1952,7 +1958,7 @@
           <a:p>
             <a:fld id="{68209BFA-762E-4303-B913-2C90AE879D2E}" type="datetimeFigureOut">
               <a:rPr lang="zh-TW" altLang="en-US" smtClean="0"/>
-              <a:t>2023/5/1</a:t>
+              <a:t>2023/5/24</a:t>
             </a:fld>
             <a:endParaRPr lang="zh-TW" altLang="en-US"/>
           </a:p>
@@ -2065,7 +2071,7 @@
           <a:p>
             <a:fld id="{68209BFA-762E-4303-B913-2C90AE879D2E}" type="datetimeFigureOut">
               <a:rPr lang="zh-TW" altLang="en-US" smtClean="0"/>
-              <a:t>2023/5/1</a:t>
+              <a:t>2023/5/24</a:t>
             </a:fld>
             <a:endParaRPr lang="zh-TW" altLang="en-US"/>
           </a:p>
@@ -2376,7 +2382,7 @@
           <a:p>
             <a:fld id="{68209BFA-762E-4303-B913-2C90AE879D2E}" type="datetimeFigureOut">
               <a:rPr lang="zh-TW" altLang="en-US" smtClean="0"/>
-              <a:t>2023/5/1</a:t>
+              <a:t>2023/5/24</a:t>
             </a:fld>
             <a:endParaRPr lang="zh-TW" altLang="en-US"/>
           </a:p>
@@ -2664,7 +2670,7 @@
           <a:p>
             <a:fld id="{68209BFA-762E-4303-B913-2C90AE879D2E}" type="datetimeFigureOut">
               <a:rPr lang="zh-TW" altLang="en-US" smtClean="0"/>
-              <a:t>2023/5/1</a:t>
+              <a:t>2023/5/24</a:t>
             </a:fld>
             <a:endParaRPr lang="zh-TW" altLang="en-US"/>
           </a:p>
@@ -2905,7 +2911,7 @@
           <a:p>
             <a:fld id="{68209BFA-762E-4303-B913-2C90AE879D2E}" type="datetimeFigureOut">
               <a:rPr lang="zh-TW" altLang="en-US" smtClean="0"/>
-              <a:t>2023/5/1</a:t>
+              <a:t>2023/5/24</a:t>
             </a:fld>
             <a:endParaRPr lang="zh-TW" altLang="en-US"/>
           </a:p>
@@ -4450,6 +4456,569 @@
 </p:sld>
 </file>
 
+<file path=ppt/slides/slide3.xml><?xml version="1.0" encoding="utf-8"?>
+<p:sld xmlns:a="http://schemas.openxmlformats.org/drawingml/2006/main" xmlns:r="http://schemas.openxmlformats.org/officeDocument/2006/relationships" xmlns:p="http://schemas.openxmlformats.org/presentationml/2006/main">
+  <p:cSld>
+    <p:spTree>
+      <p:nvGrpSpPr>
+        <p:cNvPr id="1" name=""/>
+        <p:cNvGrpSpPr/>
+        <p:nvPr/>
+      </p:nvGrpSpPr>
+      <p:grpSpPr>
+        <a:xfrm>
+          <a:off x="0" y="0"/>
+          <a:ext cx="0" cy="0"/>
+          <a:chOff x="0" y="0"/>
+          <a:chExt cx="0" cy="0"/>
+        </a:xfrm>
+      </p:grpSpPr>
+      <p:sp>
+        <p:nvSpPr>
+          <p:cNvPr id="2" name="矩形 1">
+            <a:extLst>
+              <a:ext uri="{FF2B5EF4-FFF2-40B4-BE49-F238E27FC236}">
+                <a16:creationId xmlns:a16="http://schemas.microsoft.com/office/drawing/2014/main" id="{17FF6DA0-DD1A-6680-8872-14B9CD06B4A4}"/>
+              </a:ext>
+            </a:extLst>
+          </p:cNvPr>
+          <p:cNvSpPr/>
+          <p:nvPr/>
+        </p:nvSpPr>
+        <p:spPr>
+          <a:xfrm>
+            <a:off x="1338607" y="942678"/>
+            <a:ext cx="720000" cy="720000"/>
+          </a:xfrm>
+          <a:prstGeom prst="rect">
+            <a:avLst/>
+          </a:prstGeom>
+        </p:spPr>
+        <p:style>
+          <a:lnRef idx="2">
+            <a:schemeClr val="accent1">
+              <a:shade val="50000"/>
+            </a:schemeClr>
+          </a:lnRef>
+          <a:fillRef idx="1">
+            <a:schemeClr val="accent1"/>
+          </a:fillRef>
+          <a:effectRef idx="0">
+            <a:schemeClr val="accent1"/>
+          </a:effectRef>
+          <a:fontRef idx="minor">
+            <a:schemeClr val="lt1"/>
+          </a:fontRef>
+        </p:style>
+        <p:txBody>
+          <a:bodyPr rtlCol="0" anchor="ctr"/>
+          <a:lstStyle/>
+          <a:p>
+            <a:pPr algn="ctr"/>
+            <a:r>
+              <a:rPr lang="en-US" altLang="zh-TW" sz="800" dirty="0"/>
+              <a:t>main</a:t>
+            </a:r>
+            <a:r>
+              <a:rPr lang="zh-TW" altLang="en-US" sz="800" dirty="0"/>
+              <a:t>啟動</a:t>
+            </a:r>
+            <a:endParaRPr lang="en-US" altLang="zh-TW" sz="800" dirty="0"/>
+          </a:p>
+        </p:txBody>
+      </p:sp>
+      <p:sp>
+        <p:nvSpPr>
+          <p:cNvPr id="4" name="矩形 3">
+            <a:extLst>
+              <a:ext uri="{FF2B5EF4-FFF2-40B4-BE49-F238E27FC236}">
+                <a16:creationId xmlns:a16="http://schemas.microsoft.com/office/drawing/2014/main" id="{4F967542-763D-1644-905A-CEC67A691A30}"/>
+              </a:ext>
+            </a:extLst>
+          </p:cNvPr>
+          <p:cNvSpPr/>
+          <p:nvPr/>
+        </p:nvSpPr>
+        <p:spPr>
+          <a:xfrm>
+            <a:off x="1338607" y="2709000"/>
+            <a:ext cx="720000" cy="720000"/>
+          </a:xfrm>
+          <a:prstGeom prst="rect">
+            <a:avLst/>
+          </a:prstGeom>
+        </p:spPr>
+        <p:style>
+          <a:lnRef idx="2">
+            <a:schemeClr val="accent1">
+              <a:shade val="50000"/>
+            </a:schemeClr>
+          </a:lnRef>
+          <a:fillRef idx="1">
+            <a:schemeClr val="accent1"/>
+          </a:fillRef>
+          <a:effectRef idx="0">
+            <a:schemeClr val="accent1"/>
+          </a:effectRef>
+          <a:fontRef idx="minor">
+            <a:schemeClr val="lt1"/>
+          </a:fontRef>
+        </p:style>
+        <p:txBody>
+          <a:bodyPr rtlCol="0" anchor="ctr"/>
+          <a:lstStyle/>
+          <a:p>
+            <a:pPr algn="ctr"/>
+            <a:r>
+              <a:rPr lang="en-US" altLang="zh-TW" sz="800" dirty="0"/>
+              <a:t>Node</a:t>
+            </a:r>
+            <a:r>
+              <a:rPr lang="zh-TW" altLang="en-US" sz="800" dirty="0"/>
+              <a:t> </a:t>
+            </a:r>
+            <a:r>
+              <a:rPr lang="en-US" altLang="zh-TW" sz="800" dirty="0"/>
+              <a:t>client</a:t>
+            </a:r>
+            <a:r>
+              <a:rPr lang="zh-TW" altLang="en-US" sz="800" dirty="0"/>
+              <a:t>主動連線</a:t>
+            </a:r>
+            <a:endParaRPr lang="en-US" altLang="zh-TW" sz="800" dirty="0"/>
+          </a:p>
+        </p:txBody>
+      </p:sp>
+      <p:sp>
+        <p:nvSpPr>
+          <p:cNvPr id="5" name="矩形 4">
+            <a:extLst>
+              <a:ext uri="{FF2B5EF4-FFF2-40B4-BE49-F238E27FC236}">
+                <a16:creationId xmlns:a16="http://schemas.microsoft.com/office/drawing/2014/main" id="{92B3C359-5FD8-6193-713D-64C416818603}"/>
+              </a:ext>
+            </a:extLst>
+          </p:cNvPr>
+          <p:cNvSpPr/>
+          <p:nvPr/>
+        </p:nvSpPr>
+        <p:spPr>
+          <a:xfrm>
+            <a:off x="1338607" y="1907721"/>
+            <a:ext cx="720000" cy="720000"/>
+          </a:xfrm>
+          <a:prstGeom prst="rect">
+            <a:avLst/>
+          </a:prstGeom>
+        </p:spPr>
+        <p:style>
+          <a:lnRef idx="2">
+            <a:schemeClr val="accent1">
+              <a:shade val="50000"/>
+            </a:schemeClr>
+          </a:lnRef>
+          <a:fillRef idx="1">
+            <a:schemeClr val="accent1"/>
+          </a:fillRef>
+          <a:effectRef idx="0">
+            <a:schemeClr val="accent1"/>
+          </a:effectRef>
+          <a:fontRef idx="minor">
+            <a:schemeClr val="lt1"/>
+          </a:fontRef>
+        </p:style>
+        <p:txBody>
+          <a:bodyPr rtlCol="0" anchor="ctr"/>
+          <a:lstStyle/>
+          <a:p>
+            <a:pPr algn="ctr"/>
+            <a:r>
+              <a:rPr lang="en-US" altLang="zh-TW" sz="800" dirty="0"/>
+              <a:t>Node </a:t>
+            </a:r>
+            <a:r>
+              <a:rPr lang="en-US" altLang="zh-TW" sz="800" dirty="0" err="1"/>
+              <a:t>init</a:t>
+            </a:r>
+            <a:endParaRPr lang="en-US" altLang="zh-TW" sz="800" dirty="0"/>
+          </a:p>
+        </p:txBody>
+      </p:sp>
+      <p:sp>
+        <p:nvSpPr>
+          <p:cNvPr id="6" name="矩形 5">
+            <a:extLst>
+              <a:ext uri="{FF2B5EF4-FFF2-40B4-BE49-F238E27FC236}">
+                <a16:creationId xmlns:a16="http://schemas.microsoft.com/office/drawing/2014/main" id="{D40F7D5A-5806-3ACF-14AD-9354D1EF2F6F}"/>
+              </a:ext>
+            </a:extLst>
+          </p:cNvPr>
+          <p:cNvSpPr/>
+          <p:nvPr/>
+        </p:nvSpPr>
+        <p:spPr>
+          <a:xfrm>
+            <a:off x="2622457" y="1743957"/>
+            <a:ext cx="720000" cy="720000"/>
+          </a:xfrm>
+          <a:prstGeom prst="rect">
+            <a:avLst/>
+          </a:prstGeom>
+        </p:spPr>
+        <p:style>
+          <a:lnRef idx="2">
+            <a:schemeClr val="accent1">
+              <a:shade val="50000"/>
+            </a:schemeClr>
+          </a:lnRef>
+          <a:fillRef idx="1">
+            <a:schemeClr val="accent1"/>
+          </a:fillRef>
+          <a:effectRef idx="0">
+            <a:schemeClr val="accent1"/>
+          </a:effectRef>
+          <a:fontRef idx="minor">
+            <a:schemeClr val="lt1"/>
+          </a:fontRef>
+        </p:style>
+        <p:txBody>
+          <a:bodyPr rtlCol="0" anchor="ctr"/>
+          <a:lstStyle/>
+          <a:p>
+            <a:pPr algn="ctr"/>
+            <a:r>
+              <a:rPr lang="en-US" altLang="zh-TW" sz="800" dirty="0"/>
+              <a:t>Node server listen</a:t>
+            </a:r>
+          </a:p>
+        </p:txBody>
+      </p:sp>
+      <p:sp>
+        <p:nvSpPr>
+          <p:cNvPr id="7" name="菱形 6">
+            <a:extLst>
+              <a:ext uri="{FF2B5EF4-FFF2-40B4-BE49-F238E27FC236}">
+                <a16:creationId xmlns:a16="http://schemas.microsoft.com/office/drawing/2014/main" id="{D7E4FF09-D5A0-8211-BFF4-F5069E147EB6}"/>
+              </a:ext>
+            </a:extLst>
+          </p:cNvPr>
+          <p:cNvSpPr/>
+          <p:nvPr/>
+        </p:nvSpPr>
+        <p:spPr>
+          <a:xfrm>
+            <a:off x="2622457" y="2626515"/>
+            <a:ext cx="720000" cy="720000"/>
+          </a:xfrm>
+          <a:prstGeom prst="diamond">
+            <a:avLst/>
+          </a:prstGeom>
+        </p:spPr>
+        <p:style>
+          <a:lnRef idx="2">
+            <a:schemeClr val="accent1">
+              <a:shade val="50000"/>
+            </a:schemeClr>
+          </a:lnRef>
+          <a:fillRef idx="1">
+            <a:schemeClr val="accent1"/>
+          </a:fillRef>
+          <a:effectRef idx="0">
+            <a:schemeClr val="accent1"/>
+          </a:effectRef>
+          <a:fontRef idx="minor">
+            <a:schemeClr val="lt1"/>
+          </a:fontRef>
+        </p:style>
+        <p:txBody>
+          <a:bodyPr rtlCol="0" anchor="ctr"/>
+          <a:lstStyle/>
+          <a:p>
+            <a:pPr algn="ctr"/>
+            <a:r>
+              <a:rPr lang="zh-TW" altLang="en-US" sz="800" dirty="0"/>
+              <a:t>每當收到連線</a:t>
+            </a:r>
+          </a:p>
+        </p:txBody>
+      </p:sp>
+      <p:sp>
+        <p:nvSpPr>
+          <p:cNvPr id="8" name="矩形 7">
+            <a:extLst>
+              <a:ext uri="{FF2B5EF4-FFF2-40B4-BE49-F238E27FC236}">
+                <a16:creationId xmlns:a16="http://schemas.microsoft.com/office/drawing/2014/main" id="{8E337FD1-1A35-B131-F50A-C37E6ADB2F34}"/>
+              </a:ext>
+            </a:extLst>
+          </p:cNvPr>
+          <p:cNvSpPr/>
+          <p:nvPr/>
+        </p:nvSpPr>
+        <p:spPr>
+          <a:xfrm>
+            <a:off x="3993505" y="2579256"/>
+            <a:ext cx="720000" cy="720000"/>
+          </a:xfrm>
+          <a:prstGeom prst="rect">
+            <a:avLst/>
+          </a:prstGeom>
+        </p:spPr>
+        <p:style>
+          <a:lnRef idx="2">
+            <a:schemeClr val="accent1">
+              <a:shade val="50000"/>
+            </a:schemeClr>
+          </a:lnRef>
+          <a:fillRef idx="1">
+            <a:schemeClr val="accent1"/>
+          </a:fillRef>
+          <a:effectRef idx="0">
+            <a:schemeClr val="accent1"/>
+          </a:effectRef>
+          <a:fontRef idx="minor">
+            <a:schemeClr val="lt1"/>
+          </a:fontRef>
+        </p:style>
+        <p:txBody>
+          <a:bodyPr rtlCol="0" anchor="ctr"/>
+          <a:lstStyle/>
+          <a:p>
+            <a:pPr algn="ctr"/>
+            <a:r>
+              <a:rPr lang="en-US" altLang="zh-TW" sz="800" dirty="0"/>
+              <a:t>Node server </a:t>
+            </a:r>
+            <a:r>
+              <a:rPr lang="zh-TW" altLang="en-US" sz="800" dirty="0"/>
+              <a:t>收取訊息</a:t>
+            </a:r>
+            <a:endParaRPr lang="en-US" altLang="zh-TW" sz="800" dirty="0"/>
+          </a:p>
+        </p:txBody>
+      </p:sp>
+      <p:sp>
+        <p:nvSpPr>
+          <p:cNvPr id="9" name="菱形 8">
+            <a:extLst>
+              <a:ext uri="{FF2B5EF4-FFF2-40B4-BE49-F238E27FC236}">
+                <a16:creationId xmlns:a16="http://schemas.microsoft.com/office/drawing/2014/main" id="{C8DD75DE-C1ED-DD9D-2C04-318C2E4DCCEB}"/>
+              </a:ext>
+            </a:extLst>
+          </p:cNvPr>
+          <p:cNvSpPr/>
+          <p:nvPr/>
+        </p:nvSpPr>
+        <p:spPr>
+          <a:xfrm>
+            <a:off x="3993505" y="3497785"/>
+            <a:ext cx="720000" cy="720000"/>
+          </a:xfrm>
+          <a:prstGeom prst="diamond">
+            <a:avLst/>
+          </a:prstGeom>
+        </p:spPr>
+        <p:style>
+          <a:lnRef idx="2">
+            <a:schemeClr val="accent1">
+              <a:shade val="50000"/>
+            </a:schemeClr>
+          </a:lnRef>
+          <a:fillRef idx="1">
+            <a:schemeClr val="accent1"/>
+          </a:fillRef>
+          <a:effectRef idx="0">
+            <a:schemeClr val="accent1"/>
+          </a:effectRef>
+          <a:fontRef idx="minor">
+            <a:schemeClr val="lt1"/>
+          </a:fontRef>
+        </p:style>
+        <p:txBody>
+          <a:bodyPr rtlCol="0" anchor="ctr"/>
+          <a:lstStyle/>
+          <a:p>
+            <a:pPr algn="ctr"/>
+            <a:r>
+              <a:rPr lang="zh-TW" altLang="en-US" sz="800" dirty="0"/>
+              <a:t>收到訊息</a:t>
+            </a:r>
+          </a:p>
+        </p:txBody>
+      </p:sp>
+      <p:sp>
+        <p:nvSpPr>
+          <p:cNvPr id="10" name="矩形 9">
+            <a:extLst>
+              <a:ext uri="{FF2B5EF4-FFF2-40B4-BE49-F238E27FC236}">
+                <a16:creationId xmlns:a16="http://schemas.microsoft.com/office/drawing/2014/main" id="{678D9C04-C285-DA5D-B3FE-4FC6B70EE494}"/>
+              </a:ext>
+            </a:extLst>
+          </p:cNvPr>
+          <p:cNvSpPr/>
+          <p:nvPr/>
+        </p:nvSpPr>
+        <p:spPr>
+          <a:xfrm>
+            <a:off x="3993506" y="4519946"/>
+            <a:ext cx="720000" cy="720000"/>
+          </a:xfrm>
+          <a:prstGeom prst="rect">
+            <a:avLst/>
+          </a:prstGeom>
+        </p:spPr>
+        <p:style>
+          <a:lnRef idx="2">
+            <a:schemeClr val="accent1">
+              <a:shade val="50000"/>
+            </a:schemeClr>
+          </a:lnRef>
+          <a:fillRef idx="1">
+            <a:schemeClr val="accent1"/>
+          </a:fillRef>
+          <a:effectRef idx="0">
+            <a:schemeClr val="accent1"/>
+          </a:effectRef>
+          <a:fontRef idx="minor">
+            <a:schemeClr val="lt1"/>
+          </a:fontRef>
+        </p:style>
+        <p:txBody>
+          <a:bodyPr rtlCol="0" anchor="ctr"/>
+          <a:lstStyle/>
+          <a:p>
+            <a:pPr algn="ctr"/>
+            <a:r>
+              <a:rPr lang="zh-TW" altLang="en-US" sz="800" dirty="0"/>
+              <a:t>解析</a:t>
+            </a:r>
+            <a:endParaRPr lang="en-US" altLang="zh-TW" sz="800" dirty="0"/>
+          </a:p>
+        </p:txBody>
+      </p:sp>
+      <p:sp>
+        <p:nvSpPr>
+          <p:cNvPr id="11" name="矩形 10">
+            <a:extLst>
+              <a:ext uri="{FF2B5EF4-FFF2-40B4-BE49-F238E27FC236}">
+                <a16:creationId xmlns:a16="http://schemas.microsoft.com/office/drawing/2014/main" id="{91410BB6-6D4E-D7F9-9832-0DCB64B3F41B}"/>
+              </a:ext>
+            </a:extLst>
+          </p:cNvPr>
+          <p:cNvSpPr/>
+          <p:nvPr/>
+        </p:nvSpPr>
+        <p:spPr>
+          <a:xfrm>
+            <a:off x="3993505" y="5269375"/>
+            <a:ext cx="720000" cy="720000"/>
+          </a:xfrm>
+          <a:prstGeom prst="rect">
+            <a:avLst/>
+          </a:prstGeom>
+        </p:spPr>
+        <p:style>
+          <a:lnRef idx="2">
+            <a:schemeClr val="accent1">
+              <a:shade val="50000"/>
+            </a:schemeClr>
+          </a:lnRef>
+          <a:fillRef idx="1">
+            <a:schemeClr val="accent1"/>
+          </a:fillRef>
+          <a:effectRef idx="0">
+            <a:schemeClr val="accent1"/>
+          </a:effectRef>
+          <a:fontRef idx="minor">
+            <a:schemeClr val="lt1"/>
+          </a:fontRef>
+        </p:style>
+        <p:txBody>
+          <a:bodyPr rtlCol="0" anchor="ctr"/>
+          <a:lstStyle/>
+          <a:p>
+            <a:pPr algn="ctr"/>
+            <a:r>
+              <a:rPr lang="zh-TW" altLang="en-US" sz="800" dirty="0"/>
+              <a:t>放入訊息陣列</a:t>
+            </a:r>
+            <a:endParaRPr lang="en-US" altLang="zh-TW" sz="800" dirty="0"/>
+          </a:p>
+        </p:txBody>
+      </p:sp>
+      <p:sp>
+        <p:nvSpPr>
+          <p:cNvPr id="12" name="矩形 11">
+            <a:extLst>
+              <a:ext uri="{FF2B5EF4-FFF2-40B4-BE49-F238E27FC236}">
+                <a16:creationId xmlns:a16="http://schemas.microsoft.com/office/drawing/2014/main" id="{58894811-949E-3734-FFD9-54545255F521}"/>
+              </a:ext>
+            </a:extLst>
+          </p:cNvPr>
+          <p:cNvSpPr/>
+          <p:nvPr/>
+        </p:nvSpPr>
+        <p:spPr>
+          <a:xfrm>
+            <a:off x="1338607" y="3528378"/>
+            <a:ext cx="720000" cy="720000"/>
+          </a:xfrm>
+          <a:prstGeom prst="rect">
+            <a:avLst/>
+          </a:prstGeom>
+        </p:spPr>
+        <p:style>
+          <a:lnRef idx="2">
+            <a:schemeClr val="accent1">
+              <a:shade val="50000"/>
+            </a:schemeClr>
+          </a:lnRef>
+          <a:fillRef idx="1">
+            <a:schemeClr val="accent1"/>
+          </a:fillRef>
+          <a:effectRef idx="0">
+            <a:schemeClr val="accent1"/>
+          </a:effectRef>
+          <a:fontRef idx="minor">
+            <a:schemeClr val="lt1"/>
+          </a:fontRef>
+        </p:style>
+        <p:txBody>
+          <a:bodyPr rtlCol="0" anchor="ctr"/>
+          <a:lstStyle/>
+          <a:p>
+            <a:pPr algn="ctr"/>
+            <a:r>
+              <a:rPr lang="en-US" altLang="zh-TW" sz="800" dirty="0"/>
+              <a:t>Node</a:t>
+            </a:r>
+            <a:r>
+              <a:rPr lang="zh-TW" altLang="en-US" sz="800" dirty="0"/>
+              <a:t> </a:t>
+            </a:r>
+            <a:r>
+              <a:rPr lang="en-US" altLang="zh-TW" sz="800" dirty="0"/>
+              <a:t>client</a:t>
+            </a:r>
+            <a:r>
+              <a:rPr lang="zh-TW" altLang="en-US" sz="800" dirty="0"/>
+              <a:t>主動連線</a:t>
+            </a:r>
+            <a:endParaRPr lang="en-US" altLang="zh-TW" sz="800" dirty="0"/>
+          </a:p>
+        </p:txBody>
+      </p:sp>
+    </p:spTree>
+    <p:extLst>
+      <p:ext uri="{BB962C8B-B14F-4D97-AF65-F5344CB8AC3E}">
+        <p14:creationId xmlns:p14="http://schemas.microsoft.com/office/powerpoint/2010/main" val="2278178904"/>
+      </p:ext>
+    </p:extLst>
+  </p:cSld>
+  <p:clrMapOvr>
+    <a:masterClrMapping/>
+  </p:clrMapOvr>
+</p:sld>
+</file>
+
 <file path=ppt/theme/theme1.xml><?xml version="1.0" encoding="utf-8"?>
 <a:theme xmlns:a="http://schemas.openxmlformats.org/drawingml/2006/main" name="Office 佈景主題">
   <a:themeElements>

--- a/img/新增 Microsoft PowerPoint 簡報.pptx
+++ b/img/新增 Microsoft PowerPoint 簡報.pptx
@@ -4475,10 +4475,10 @@
       </p:grpSpPr>
       <p:sp>
         <p:nvSpPr>
-          <p:cNvPr id="2" name="矩形 1">
-            <a:extLst>
-              <a:ext uri="{FF2B5EF4-FFF2-40B4-BE49-F238E27FC236}">
-                <a16:creationId xmlns:a16="http://schemas.microsoft.com/office/drawing/2014/main" id="{17FF6DA0-DD1A-6680-8872-14B9CD06B4A4}"/>
+          <p:cNvPr id="6" name="矩形 5">
+            <a:extLst>
+              <a:ext uri="{FF2B5EF4-FFF2-40B4-BE49-F238E27FC236}">
+                <a16:creationId xmlns:a16="http://schemas.microsoft.com/office/drawing/2014/main" id="{D40F7D5A-5806-3ACF-14AD-9354D1EF2F6F}"/>
               </a:ext>
             </a:extLst>
           </p:cNvPr>
@@ -4487,8 +4487,8 @@
         </p:nvSpPr>
         <p:spPr>
           <a:xfrm>
-            <a:off x="1338607" y="942678"/>
-            <a:ext cx="720000" cy="720000"/>
+            <a:off x="5025116" y="1815212"/>
+            <a:ext cx="792000" cy="720000"/>
           </a:xfrm>
           <a:prstGeom prst="rect">
             <a:avLst/>
@@ -4517,22 +4517,49 @@
             <a:pPr algn="ctr"/>
             <a:r>
               <a:rPr lang="en-US" altLang="zh-TW" sz="800" dirty="0"/>
-              <a:t>main</a:t>
+              <a:t>Node server </a:t>
             </a:r>
             <a:r>
               <a:rPr lang="zh-TW" altLang="en-US" sz="800" dirty="0"/>
-              <a:t>啟動</a:t>
-            </a:r>
-            <a:endParaRPr lang="en-US" altLang="zh-TW" sz="800" dirty="0"/>
-          </a:p>
-        </p:txBody>
-      </p:sp>
-      <p:sp>
-        <p:nvSpPr>
-          <p:cNvPr id="4" name="矩形 3">
-            <a:extLst>
-              <a:ext uri="{FF2B5EF4-FFF2-40B4-BE49-F238E27FC236}">
-                <a16:creationId xmlns:a16="http://schemas.microsoft.com/office/drawing/2014/main" id="{4F967542-763D-1644-905A-CEC67A691A30}"/>
+              <a:t>收到連線</a:t>
+            </a:r>
+            <a:r>
+              <a:rPr lang="en-US" altLang="zh-TW" sz="800" dirty="0"/>
+              <a:t>(</a:t>
+            </a:r>
+            <a:r>
+              <a:rPr lang="zh-TW" altLang="en-US" sz="800" dirty="0"/>
+              <a:t>阻塞</a:t>
+            </a:r>
+            <a:r>
+              <a:rPr lang="en-US" altLang="zh-TW" sz="800" dirty="0"/>
+              <a:t>)(</a:t>
+            </a:r>
+            <a:r>
+              <a:rPr lang="zh-TW" altLang="en-US" sz="800" dirty="0"/>
+              <a:t>每</a:t>
+            </a:r>
+            <a:r>
+              <a:rPr lang="en-US" altLang="zh-TW" sz="800" dirty="0"/>
+              <a:t>5</a:t>
+            </a:r>
+            <a:r>
+              <a:rPr lang="zh-TW" altLang="en-US" sz="800" dirty="0"/>
+              <a:t>秒中段檢查主程式是否結束</a:t>
+            </a:r>
+            <a:r>
+              <a:rPr lang="en-US" altLang="zh-TW" sz="800" dirty="0"/>
+              <a:t>)</a:t>
+            </a:r>
+          </a:p>
+        </p:txBody>
+      </p:sp>
+      <p:sp>
+        <p:nvSpPr>
+          <p:cNvPr id="8" name="矩形 7">
+            <a:extLst>
+              <a:ext uri="{FF2B5EF4-FFF2-40B4-BE49-F238E27FC236}">
+                <a16:creationId xmlns:a16="http://schemas.microsoft.com/office/drawing/2014/main" id="{8E337FD1-1A35-B131-F50A-C37E6ADB2F34}"/>
               </a:ext>
             </a:extLst>
           </p:cNvPr>
@@ -4541,8 +4568,8 @@
         </p:nvSpPr>
         <p:spPr>
           <a:xfrm>
-            <a:off x="1338607" y="2709000"/>
-            <a:ext cx="720000" cy="720000"/>
+            <a:off x="6531344" y="1804128"/>
+            <a:ext cx="792000" cy="720000"/>
           </a:xfrm>
           <a:prstGeom prst="rect">
             <a:avLst/>
@@ -4571,30 +4598,33 @@
             <a:pPr algn="ctr"/>
             <a:r>
               <a:rPr lang="en-US" altLang="zh-TW" sz="800" dirty="0"/>
-              <a:t>Node</a:t>
+              <a:t>Node server </a:t>
             </a:r>
             <a:r>
               <a:rPr lang="zh-TW" altLang="en-US" sz="800" dirty="0"/>
-              <a:t> </a:t>
+              <a:t>收取訊息</a:t>
             </a:r>
             <a:r>
               <a:rPr lang="en-US" altLang="zh-TW" sz="800" dirty="0"/>
-              <a:t>client</a:t>
+              <a:t>(</a:t>
             </a:r>
             <a:r>
               <a:rPr lang="zh-TW" altLang="en-US" sz="800" dirty="0"/>
-              <a:t>主動連線</a:t>
-            </a:r>
-            <a:endParaRPr lang="en-US" altLang="zh-TW" sz="800" dirty="0"/>
-          </a:p>
-        </p:txBody>
-      </p:sp>
-      <p:sp>
-        <p:nvSpPr>
-          <p:cNvPr id="5" name="矩形 4">
-            <a:extLst>
-              <a:ext uri="{FF2B5EF4-FFF2-40B4-BE49-F238E27FC236}">
-                <a16:creationId xmlns:a16="http://schemas.microsoft.com/office/drawing/2014/main" id="{92B3C359-5FD8-6193-713D-64C416818603}"/>
+              <a:t>定期中斷出來檢查主程式是否結束</a:t>
+            </a:r>
+            <a:r>
+              <a:rPr lang="en-US" altLang="zh-TW" sz="800" dirty="0"/>
+              <a:t>)</a:t>
+            </a:r>
+          </a:p>
+        </p:txBody>
+      </p:sp>
+      <p:sp>
+        <p:nvSpPr>
+          <p:cNvPr id="9" name="菱形 8">
+            <a:extLst>
+              <a:ext uri="{FF2B5EF4-FFF2-40B4-BE49-F238E27FC236}">
+                <a16:creationId xmlns:a16="http://schemas.microsoft.com/office/drawing/2014/main" id="{C8DD75DE-C1ED-DD9D-2C04-318C2E4DCCEB}"/>
               </a:ext>
             </a:extLst>
           </p:cNvPr>
@@ -4603,8 +4633,57 @@
         </p:nvSpPr>
         <p:spPr>
           <a:xfrm>
-            <a:off x="1338607" y="1907721"/>
-            <a:ext cx="720000" cy="720000"/>
+            <a:off x="6531344" y="2668157"/>
+            <a:ext cx="792000" cy="720000"/>
+          </a:xfrm>
+          <a:prstGeom prst="diamond">
+            <a:avLst/>
+          </a:prstGeom>
+        </p:spPr>
+        <p:style>
+          <a:lnRef idx="2">
+            <a:schemeClr val="accent1">
+              <a:shade val="50000"/>
+            </a:schemeClr>
+          </a:lnRef>
+          <a:fillRef idx="1">
+            <a:schemeClr val="accent1"/>
+          </a:fillRef>
+          <a:effectRef idx="0">
+            <a:schemeClr val="accent1"/>
+          </a:effectRef>
+          <a:fontRef idx="minor">
+            <a:schemeClr val="lt1"/>
+          </a:fontRef>
+        </p:style>
+        <p:txBody>
+          <a:bodyPr rtlCol="0" anchor="ctr"/>
+          <a:lstStyle/>
+          <a:p>
+            <a:pPr algn="ctr"/>
+            <a:r>
+              <a:rPr lang="zh-TW" altLang="en-US" sz="800" dirty="0"/>
+              <a:t>收到訊息</a:t>
+            </a:r>
+          </a:p>
+        </p:txBody>
+      </p:sp>
+      <p:sp>
+        <p:nvSpPr>
+          <p:cNvPr id="10" name="矩形 9">
+            <a:extLst>
+              <a:ext uri="{FF2B5EF4-FFF2-40B4-BE49-F238E27FC236}">
+                <a16:creationId xmlns:a16="http://schemas.microsoft.com/office/drawing/2014/main" id="{678D9C04-C285-DA5D-B3FE-4FC6B70EE494}"/>
+              </a:ext>
+            </a:extLst>
+          </p:cNvPr>
+          <p:cNvSpPr/>
+          <p:nvPr/>
+        </p:nvSpPr>
+        <p:spPr>
+          <a:xfrm>
+            <a:off x="6531344" y="3568108"/>
+            <a:ext cx="792000" cy="720000"/>
           </a:xfrm>
           <a:prstGeom prst="rect">
             <a:avLst/>
@@ -4632,12 +4711,8 @@
           <a:p>
             <a:pPr algn="ctr"/>
             <a:r>
-              <a:rPr lang="en-US" altLang="zh-TW" sz="800" dirty="0"/>
-              <a:t>Node </a:t>
-            </a:r>
-            <a:r>
-              <a:rPr lang="en-US" altLang="zh-TW" sz="800" dirty="0" err="1"/>
-              <a:t>init</a:t>
+              <a:rPr lang="zh-TW" altLang="en-US" sz="800" dirty="0"/>
+              <a:t>解析</a:t>
             </a:r>
             <a:endParaRPr lang="en-US" altLang="zh-TW" sz="800" dirty="0"/>
           </a:p>
@@ -4645,10 +4720,10 @@
       </p:sp>
       <p:sp>
         <p:nvSpPr>
-          <p:cNvPr id="6" name="矩形 5">
-            <a:extLst>
-              <a:ext uri="{FF2B5EF4-FFF2-40B4-BE49-F238E27FC236}">
-                <a16:creationId xmlns:a16="http://schemas.microsoft.com/office/drawing/2014/main" id="{D40F7D5A-5806-3ACF-14AD-9354D1EF2F6F}"/>
+          <p:cNvPr id="11" name="矩形 10">
+            <a:extLst>
+              <a:ext uri="{FF2B5EF4-FFF2-40B4-BE49-F238E27FC236}">
+                <a16:creationId xmlns:a16="http://schemas.microsoft.com/office/drawing/2014/main" id="{91410BB6-6D4E-D7F9-9832-0DCB64B3F41B}"/>
               </a:ext>
             </a:extLst>
           </p:cNvPr>
@@ -4657,8 +4732,8 @@
         </p:nvSpPr>
         <p:spPr>
           <a:xfrm>
-            <a:off x="2622457" y="1743957"/>
-            <a:ext cx="720000" cy="720000"/>
+            <a:off x="6531344" y="4553440"/>
+            <a:ext cx="792000" cy="720000"/>
           </a:xfrm>
           <a:prstGeom prst="rect">
             <a:avLst/>
@@ -4686,18 +4761,19 @@
           <a:p>
             <a:pPr algn="ctr"/>
             <a:r>
-              <a:rPr lang="en-US" altLang="zh-TW" sz="800" dirty="0"/>
-              <a:t>Node server listen</a:t>
-            </a:r>
-          </a:p>
-        </p:txBody>
-      </p:sp>
-      <p:sp>
-        <p:nvSpPr>
-          <p:cNvPr id="7" name="菱形 6">
-            <a:extLst>
-              <a:ext uri="{FF2B5EF4-FFF2-40B4-BE49-F238E27FC236}">
-                <a16:creationId xmlns:a16="http://schemas.microsoft.com/office/drawing/2014/main" id="{D7E4FF09-D5A0-8211-BFF4-F5069E147EB6}"/>
+              <a:rPr lang="zh-TW" altLang="en-US" sz="800" dirty="0"/>
+              <a:t>放入訊息陣列</a:t>
+            </a:r>
+            <a:endParaRPr lang="en-US" altLang="zh-TW" sz="800" dirty="0"/>
+          </a:p>
+        </p:txBody>
+      </p:sp>
+      <p:sp>
+        <p:nvSpPr>
+          <p:cNvPr id="17" name="橢圓 16">
+            <a:extLst>
+              <a:ext uri="{FF2B5EF4-FFF2-40B4-BE49-F238E27FC236}">
+                <a16:creationId xmlns:a16="http://schemas.microsoft.com/office/drawing/2014/main" id="{96F56039-ED41-3503-A8C2-2AE13E9A102C}"/>
               </a:ext>
             </a:extLst>
           </p:cNvPr>
@@ -4706,8 +4782,58 @@
         </p:nvSpPr>
         <p:spPr>
           <a:xfrm>
-            <a:off x="2622457" y="2626515"/>
-            <a:ext cx="720000" cy="720000"/>
+            <a:off x="9255006" y="962563"/>
+            <a:ext cx="792000" cy="720000"/>
+          </a:xfrm>
+          <a:prstGeom prst="ellipse">
+            <a:avLst/>
+          </a:prstGeom>
+        </p:spPr>
+        <p:style>
+          <a:lnRef idx="2">
+            <a:schemeClr val="accent1">
+              <a:shade val="50000"/>
+            </a:schemeClr>
+          </a:lnRef>
+          <a:fillRef idx="1">
+            <a:schemeClr val="accent1"/>
+          </a:fillRef>
+          <a:effectRef idx="0">
+            <a:schemeClr val="accent1"/>
+          </a:effectRef>
+          <a:fontRef idx="minor">
+            <a:schemeClr val="lt1"/>
+          </a:fontRef>
+        </p:style>
+        <p:txBody>
+          <a:bodyPr rtlCol="0" anchor="ctr"/>
+          <a:lstStyle/>
+          <a:p>
+            <a:pPr algn="ctr"/>
+            <a:r>
+              <a:rPr lang="zh-TW" altLang="en-US" sz="800" dirty="0"/>
+              <a:t>礦工啟動</a:t>
+            </a:r>
+            <a:endParaRPr lang="en-US" altLang="zh-TW" sz="800" dirty="0"/>
+          </a:p>
+        </p:txBody>
+      </p:sp>
+      <p:sp>
+        <p:nvSpPr>
+          <p:cNvPr id="18" name="菱形 17">
+            <a:extLst>
+              <a:ext uri="{FF2B5EF4-FFF2-40B4-BE49-F238E27FC236}">
+                <a16:creationId xmlns:a16="http://schemas.microsoft.com/office/drawing/2014/main" id="{461A72BB-A823-0875-3280-08F60B857440}"/>
+              </a:ext>
+            </a:extLst>
+          </p:cNvPr>
+          <p:cNvSpPr/>
+          <p:nvPr/>
+        </p:nvSpPr>
+        <p:spPr>
+          <a:xfrm>
+            <a:off x="9255006" y="1811104"/>
+            <a:ext cx="792000" cy="720000"/>
           </a:xfrm>
           <a:prstGeom prst="diamond">
             <a:avLst/>
@@ -4736,17 +4862,17 @@
             <a:pPr algn="ctr"/>
             <a:r>
               <a:rPr lang="zh-TW" altLang="en-US" sz="800" dirty="0"/>
-              <a:t>每當收到連線</a:t>
-            </a:r>
-          </a:p>
-        </p:txBody>
-      </p:sp>
-      <p:sp>
-        <p:nvSpPr>
-          <p:cNvPr id="8" name="矩形 7">
-            <a:extLst>
-              <a:ext uri="{FF2B5EF4-FFF2-40B4-BE49-F238E27FC236}">
-                <a16:creationId xmlns:a16="http://schemas.microsoft.com/office/drawing/2014/main" id="{8E337FD1-1A35-B131-F50A-C37E6ADB2F34}"/>
+              <a:t>主程式結束</a:t>
+            </a:r>
+          </a:p>
+        </p:txBody>
+      </p:sp>
+      <p:sp>
+        <p:nvSpPr>
+          <p:cNvPr id="20" name="矩形 19">
+            <a:extLst>
+              <a:ext uri="{FF2B5EF4-FFF2-40B4-BE49-F238E27FC236}">
+                <a16:creationId xmlns:a16="http://schemas.microsoft.com/office/drawing/2014/main" id="{24ACB0F2-A5DF-E2AD-A6A9-BF1FD298E5B9}"/>
               </a:ext>
             </a:extLst>
           </p:cNvPr>
@@ -4755,8 +4881,8 @@
         </p:nvSpPr>
         <p:spPr>
           <a:xfrm>
-            <a:off x="3993505" y="2579256"/>
-            <a:ext cx="720000" cy="720000"/>
+            <a:off x="10231493" y="1811104"/>
+            <a:ext cx="792000" cy="720000"/>
           </a:xfrm>
           <a:prstGeom prst="rect">
             <a:avLst/>
@@ -4784,12 +4910,8 @@
           <a:p>
             <a:pPr algn="ctr"/>
             <a:r>
-              <a:rPr lang="en-US" altLang="zh-TW" sz="800" dirty="0"/>
-              <a:t>Node server </a:t>
-            </a:r>
-            <a:r>
               <a:rPr lang="zh-TW" altLang="en-US" sz="800" dirty="0"/>
-              <a:t>收取訊息</a:t>
+              <a:t>找尋待挖佇列中的區塊進行挖掘</a:t>
             </a:r>
             <a:endParaRPr lang="en-US" altLang="zh-TW" sz="800" dirty="0"/>
           </a:p>
@@ -4797,10 +4919,10 @@
       </p:sp>
       <p:sp>
         <p:nvSpPr>
-          <p:cNvPr id="9" name="菱形 8">
-            <a:extLst>
-              <a:ext uri="{FF2B5EF4-FFF2-40B4-BE49-F238E27FC236}">
-                <a16:creationId xmlns:a16="http://schemas.microsoft.com/office/drawing/2014/main" id="{C8DD75DE-C1ED-DD9D-2C04-318C2E4DCCEB}"/>
+          <p:cNvPr id="21" name="橢圓 20">
+            <a:extLst>
+              <a:ext uri="{FF2B5EF4-FFF2-40B4-BE49-F238E27FC236}">
+                <a16:creationId xmlns:a16="http://schemas.microsoft.com/office/drawing/2014/main" id="{A511C6D9-FE01-5B8D-6352-C2F52C3C3A7D}"/>
               </a:ext>
             </a:extLst>
           </p:cNvPr>
@@ -4809,8 +4931,165 @@
         </p:nvSpPr>
         <p:spPr>
           <a:xfrm>
-            <a:off x="3993505" y="3497785"/>
-            <a:ext cx="720000" cy="720000"/>
+            <a:off x="9255006" y="2632664"/>
+            <a:ext cx="792000" cy="720000"/>
+          </a:xfrm>
+          <a:prstGeom prst="ellipse">
+            <a:avLst/>
+          </a:prstGeom>
+        </p:spPr>
+        <p:style>
+          <a:lnRef idx="2">
+            <a:schemeClr val="accent1">
+              <a:shade val="50000"/>
+            </a:schemeClr>
+          </a:lnRef>
+          <a:fillRef idx="1">
+            <a:schemeClr val="accent1"/>
+          </a:fillRef>
+          <a:effectRef idx="0">
+            <a:schemeClr val="accent1"/>
+          </a:effectRef>
+          <a:fontRef idx="minor">
+            <a:schemeClr val="lt1"/>
+          </a:fontRef>
+        </p:style>
+        <p:txBody>
+          <a:bodyPr rtlCol="0" anchor="ctr"/>
+          <a:lstStyle/>
+          <a:p>
+            <a:pPr algn="ctr"/>
+            <a:r>
+              <a:rPr lang="zh-TW" altLang="en-US" sz="800" dirty="0"/>
+              <a:t>結束</a:t>
+            </a:r>
+          </a:p>
+        </p:txBody>
+      </p:sp>
+      <p:sp>
+        <p:nvSpPr>
+          <p:cNvPr id="25" name="橢圓 24">
+            <a:extLst>
+              <a:ext uri="{FF2B5EF4-FFF2-40B4-BE49-F238E27FC236}">
+                <a16:creationId xmlns:a16="http://schemas.microsoft.com/office/drawing/2014/main" id="{6A639013-F452-A8CE-4006-27493AACD5E1}"/>
+              </a:ext>
+            </a:extLst>
+          </p:cNvPr>
+          <p:cNvSpPr/>
+          <p:nvPr/>
+        </p:nvSpPr>
+        <p:spPr>
+          <a:xfrm>
+            <a:off x="5025116" y="933222"/>
+            <a:ext cx="792000" cy="720000"/>
+          </a:xfrm>
+          <a:prstGeom prst="ellipse">
+            <a:avLst/>
+          </a:prstGeom>
+        </p:spPr>
+        <p:style>
+          <a:lnRef idx="2">
+            <a:schemeClr val="accent1">
+              <a:shade val="50000"/>
+            </a:schemeClr>
+          </a:lnRef>
+          <a:fillRef idx="1">
+            <a:schemeClr val="accent1"/>
+          </a:fillRef>
+          <a:effectRef idx="0">
+            <a:schemeClr val="accent1"/>
+          </a:effectRef>
+          <a:fontRef idx="minor">
+            <a:schemeClr val="lt1"/>
+          </a:fontRef>
+        </p:style>
+        <p:txBody>
+          <a:bodyPr rtlCol="0" anchor="ctr"/>
+          <a:lstStyle/>
+          <a:p>
+            <a:pPr algn="ctr"/>
+            <a:r>
+              <a:rPr lang="en-US" altLang="zh-TW" sz="800" dirty="0"/>
+              <a:t>Node server</a:t>
+            </a:r>
+            <a:r>
+              <a:rPr lang="zh-TW" altLang="en-US" sz="800" dirty="0"/>
+              <a:t>監聽開始</a:t>
+            </a:r>
+            <a:endParaRPr lang="en-US" altLang="zh-TW" sz="800" dirty="0"/>
+          </a:p>
+        </p:txBody>
+      </p:sp>
+      <p:sp>
+        <p:nvSpPr>
+          <p:cNvPr id="26" name="橢圓 25">
+            <a:extLst>
+              <a:ext uri="{FF2B5EF4-FFF2-40B4-BE49-F238E27FC236}">
+                <a16:creationId xmlns:a16="http://schemas.microsoft.com/office/drawing/2014/main" id="{813F46B3-69EB-91AA-76FD-C0B644882FA6}"/>
+              </a:ext>
+            </a:extLst>
+          </p:cNvPr>
+          <p:cNvSpPr/>
+          <p:nvPr/>
+        </p:nvSpPr>
+        <p:spPr>
+          <a:xfrm>
+            <a:off x="6531344" y="940099"/>
+            <a:ext cx="792000" cy="720000"/>
+          </a:xfrm>
+          <a:prstGeom prst="ellipse">
+            <a:avLst/>
+          </a:prstGeom>
+        </p:spPr>
+        <p:style>
+          <a:lnRef idx="2">
+            <a:schemeClr val="accent1">
+              <a:shade val="50000"/>
+            </a:schemeClr>
+          </a:lnRef>
+          <a:fillRef idx="1">
+            <a:schemeClr val="accent1"/>
+          </a:fillRef>
+          <a:effectRef idx="0">
+            <a:schemeClr val="accent1"/>
+          </a:effectRef>
+          <a:fontRef idx="minor">
+            <a:schemeClr val="lt1"/>
+          </a:fontRef>
+        </p:style>
+        <p:txBody>
+          <a:bodyPr rtlCol="0" anchor="ctr"/>
+          <a:lstStyle/>
+          <a:p>
+            <a:pPr algn="ctr"/>
+            <a:r>
+              <a:rPr lang="en-US" altLang="zh-TW" sz="800" dirty="0"/>
+              <a:t>Node server</a:t>
+            </a:r>
+            <a:r>
+              <a:rPr lang="zh-TW" altLang="en-US" sz="800" dirty="0"/>
+              <a:t>接收開始</a:t>
+            </a:r>
+            <a:endParaRPr lang="en-US" altLang="zh-TW" sz="800" dirty="0"/>
+          </a:p>
+        </p:txBody>
+      </p:sp>
+      <p:sp>
+        <p:nvSpPr>
+          <p:cNvPr id="27" name="菱形 26">
+            <a:extLst>
+              <a:ext uri="{FF2B5EF4-FFF2-40B4-BE49-F238E27FC236}">
+                <a16:creationId xmlns:a16="http://schemas.microsoft.com/office/drawing/2014/main" id="{32FAB0FE-7358-EB55-D792-A8F6EF810D22}"/>
+              </a:ext>
+            </a:extLst>
+          </p:cNvPr>
+          <p:cNvSpPr/>
+          <p:nvPr/>
+        </p:nvSpPr>
+        <p:spPr>
+          <a:xfrm>
+            <a:off x="5027656" y="2697202"/>
+            <a:ext cx="792000" cy="720000"/>
           </a:xfrm>
           <a:prstGeom prst="diamond">
             <a:avLst/>
@@ -4839,17 +5118,17 @@
             <a:pPr algn="ctr"/>
             <a:r>
               <a:rPr lang="zh-TW" altLang="en-US" sz="800" dirty="0"/>
-              <a:t>收到訊息</a:t>
-            </a:r>
-          </a:p>
-        </p:txBody>
-      </p:sp>
-      <p:sp>
-        <p:nvSpPr>
-          <p:cNvPr id="10" name="矩形 9">
-            <a:extLst>
-              <a:ext uri="{FF2B5EF4-FFF2-40B4-BE49-F238E27FC236}">
-                <a16:creationId xmlns:a16="http://schemas.microsoft.com/office/drawing/2014/main" id="{678D9C04-C285-DA5D-B3FE-4FC6B70EE494}"/>
+              <a:t>主程式結束</a:t>
+            </a:r>
+          </a:p>
+        </p:txBody>
+      </p:sp>
+      <p:sp>
+        <p:nvSpPr>
+          <p:cNvPr id="28" name="菱形 27">
+            <a:extLst>
+              <a:ext uri="{FF2B5EF4-FFF2-40B4-BE49-F238E27FC236}">
+                <a16:creationId xmlns:a16="http://schemas.microsoft.com/office/drawing/2014/main" id="{AC12F1A7-708D-8C7C-17B0-5E99108CAA45}"/>
               </a:ext>
             </a:extLst>
           </p:cNvPr>
@@ -4858,10 +5137,10 @@
         </p:nvSpPr>
         <p:spPr>
           <a:xfrm>
-            <a:off x="3993506" y="4519946"/>
-            <a:ext cx="720000" cy="720000"/>
+            <a:off x="7882519" y="1804128"/>
+            <a:ext cx="792000" cy="720000"/>
           </a:xfrm>
-          <a:prstGeom prst="rect">
+          <a:prstGeom prst="diamond">
             <a:avLst/>
           </a:prstGeom>
         </p:spPr>
@@ -4888,18 +5167,17 @@
             <a:pPr algn="ctr"/>
             <a:r>
               <a:rPr lang="zh-TW" altLang="en-US" sz="800" dirty="0"/>
-              <a:t>解析</a:t>
-            </a:r>
-            <a:endParaRPr lang="en-US" altLang="zh-TW" sz="800" dirty="0"/>
-          </a:p>
-        </p:txBody>
-      </p:sp>
-      <p:sp>
-        <p:nvSpPr>
-          <p:cNvPr id="11" name="矩形 10">
-            <a:extLst>
-              <a:ext uri="{FF2B5EF4-FFF2-40B4-BE49-F238E27FC236}">
-                <a16:creationId xmlns:a16="http://schemas.microsoft.com/office/drawing/2014/main" id="{91410BB6-6D4E-D7F9-9832-0DCB64B3F41B}"/>
+              <a:t>主程式結束</a:t>
+            </a:r>
+          </a:p>
+        </p:txBody>
+      </p:sp>
+      <p:sp>
+        <p:nvSpPr>
+          <p:cNvPr id="29" name="橢圓 28">
+            <a:extLst>
+              <a:ext uri="{FF2B5EF4-FFF2-40B4-BE49-F238E27FC236}">
+                <a16:creationId xmlns:a16="http://schemas.microsoft.com/office/drawing/2014/main" id="{0A344253-3569-61A1-A914-7B31ECE47EEA}"/>
               </a:ext>
             </a:extLst>
           </p:cNvPr>
@@ -4908,10 +5186,10 @@
         </p:nvSpPr>
         <p:spPr>
           <a:xfrm>
-            <a:off x="3993505" y="5269375"/>
-            <a:ext cx="720000" cy="720000"/>
+            <a:off x="7882519" y="2668157"/>
+            <a:ext cx="792000" cy="720000"/>
           </a:xfrm>
-          <a:prstGeom prst="rect">
+          <a:prstGeom prst="ellipse">
             <a:avLst/>
           </a:prstGeom>
         </p:spPr>
@@ -4938,18 +5216,17 @@
             <a:pPr algn="ctr"/>
             <a:r>
               <a:rPr lang="zh-TW" altLang="en-US" sz="800" dirty="0"/>
-              <a:t>放入訊息陣列</a:t>
-            </a:r>
-            <a:endParaRPr lang="en-US" altLang="zh-TW" sz="800" dirty="0"/>
-          </a:p>
-        </p:txBody>
-      </p:sp>
-      <p:sp>
-        <p:nvSpPr>
-          <p:cNvPr id="12" name="矩形 11">
-            <a:extLst>
-              <a:ext uri="{FF2B5EF4-FFF2-40B4-BE49-F238E27FC236}">
-                <a16:creationId xmlns:a16="http://schemas.microsoft.com/office/drawing/2014/main" id="{58894811-949E-3734-FFD9-54545255F521}"/>
+              <a:t>結束</a:t>
+            </a:r>
+          </a:p>
+        </p:txBody>
+      </p:sp>
+      <p:sp>
+        <p:nvSpPr>
+          <p:cNvPr id="30" name="橢圓 29">
+            <a:extLst>
+              <a:ext uri="{FF2B5EF4-FFF2-40B4-BE49-F238E27FC236}">
+                <a16:creationId xmlns:a16="http://schemas.microsoft.com/office/drawing/2014/main" id="{F18F19A0-193D-8B11-1D98-3C8A14BE3038}"/>
               </a:ext>
             </a:extLst>
           </p:cNvPr>
@@ -4958,10 +5235,10 @@
         </p:nvSpPr>
         <p:spPr>
           <a:xfrm>
-            <a:off x="1338607" y="3528378"/>
-            <a:ext cx="720000" cy="720000"/>
+            <a:off x="5025116" y="3579192"/>
+            <a:ext cx="792000" cy="720000"/>
           </a:xfrm>
-          <a:prstGeom prst="rect">
+          <a:prstGeom prst="ellipse">
             <a:avLst/>
           </a:prstGeom>
         </p:spPr>
@@ -4987,22 +5264,3561 @@
           <a:p>
             <a:pPr algn="ctr"/>
             <a:r>
-              <a:rPr lang="en-US" altLang="zh-TW" sz="800" dirty="0"/>
-              <a:t>Node</a:t>
-            </a:r>
-            <a:r>
               <a:rPr lang="zh-TW" altLang="en-US" sz="800" dirty="0"/>
-              <a:t> </a:t>
-            </a:r>
-            <a:r>
-              <a:rPr lang="en-US" altLang="zh-TW" sz="800" dirty="0"/>
-              <a:t>client</a:t>
-            </a:r>
+              <a:t>結束</a:t>
+            </a:r>
+          </a:p>
+        </p:txBody>
+      </p:sp>
+      <p:cxnSp>
+        <p:nvCxnSpPr>
+          <p:cNvPr id="56" name="直線單箭頭接點 55">
+            <a:extLst>
+              <a:ext uri="{FF2B5EF4-FFF2-40B4-BE49-F238E27FC236}">
+                <a16:creationId xmlns:a16="http://schemas.microsoft.com/office/drawing/2014/main" id="{2AFA5CE3-C073-3434-2E6F-FC355E2A5308}"/>
+              </a:ext>
+            </a:extLst>
+          </p:cNvPr>
+          <p:cNvCxnSpPr>
+            <a:cxnSpLocks/>
+            <a:stCxn id="5" idx="3"/>
+            <a:endCxn id="22" idx="2"/>
+          </p:cNvCxnSpPr>
+          <p:nvPr/>
+        </p:nvCxnSpPr>
+        <p:spPr>
+          <a:xfrm>
+            <a:off x="2130607" y="1310655"/>
+            <a:ext cx="931692" cy="0"/>
+          </a:xfrm>
+          <a:prstGeom prst="straightConnector1">
+            <a:avLst/>
+          </a:prstGeom>
+          <a:ln>
+            <a:tailEnd type="triangle"/>
+          </a:ln>
+        </p:spPr>
+        <p:style>
+          <a:lnRef idx="1">
+            <a:schemeClr val="accent1"/>
+          </a:lnRef>
+          <a:fillRef idx="0">
+            <a:schemeClr val="accent1"/>
+          </a:fillRef>
+          <a:effectRef idx="0">
+            <a:schemeClr val="accent1"/>
+          </a:effectRef>
+          <a:fontRef idx="minor">
+            <a:schemeClr val="tx1"/>
+          </a:fontRef>
+        </p:style>
+      </p:cxnSp>
+      <p:grpSp>
+        <p:nvGrpSpPr>
+          <p:cNvPr id="112" name="群組 111">
+            <a:extLst>
+              <a:ext uri="{FF2B5EF4-FFF2-40B4-BE49-F238E27FC236}">
+                <a16:creationId xmlns:a16="http://schemas.microsoft.com/office/drawing/2014/main" id="{2D1691A1-E8FB-30C6-77A9-4689D0A2A013}"/>
+              </a:ext>
+            </a:extLst>
+          </p:cNvPr>
+          <p:cNvGrpSpPr/>
+          <p:nvPr/>
+        </p:nvGrpSpPr>
+        <p:grpSpPr>
+          <a:xfrm>
+            <a:off x="210847" y="86098"/>
+            <a:ext cx="9915227" cy="6771902"/>
+            <a:chOff x="210847" y="86098"/>
+            <a:chExt cx="9915227" cy="6771902"/>
+          </a:xfrm>
+        </p:grpSpPr>
+        <p:sp>
+          <p:nvSpPr>
+            <p:cNvPr id="2" name="橢圓 1">
+              <a:extLst>
+                <a:ext uri="{FF2B5EF4-FFF2-40B4-BE49-F238E27FC236}">
+                  <a16:creationId xmlns:a16="http://schemas.microsoft.com/office/drawing/2014/main" id="{17FF6DA0-DD1A-6680-8872-14B9CD06B4A4}"/>
+                </a:ext>
+              </a:extLst>
+            </p:cNvPr>
+            <p:cNvSpPr/>
+            <p:nvPr/>
+          </p:nvSpPr>
+          <p:spPr>
+            <a:xfrm>
+              <a:off x="1338607" y="86098"/>
+              <a:ext cx="792000" cy="720000"/>
+            </a:xfrm>
+            <a:prstGeom prst="ellipse">
+              <a:avLst/>
+            </a:prstGeom>
+          </p:spPr>
+          <p:style>
+            <a:lnRef idx="2">
+              <a:schemeClr val="accent1">
+                <a:shade val="50000"/>
+              </a:schemeClr>
+            </a:lnRef>
+            <a:fillRef idx="1">
+              <a:schemeClr val="accent1"/>
+            </a:fillRef>
+            <a:effectRef idx="0">
+              <a:schemeClr val="accent1"/>
+            </a:effectRef>
+            <a:fontRef idx="minor">
+              <a:schemeClr val="lt1"/>
+            </a:fontRef>
+          </p:style>
+          <p:txBody>
+            <a:bodyPr rtlCol="0" anchor="ctr"/>
+            <a:lstStyle/>
+            <a:p>
+              <a:pPr algn="ctr"/>
+              <a:r>
+                <a:rPr lang="en-US" altLang="zh-TW" sz="800" dirty="0"/>
+                <a:t>main</a:t>
+              </a:r>
+              <a:r>
+                <a:rPr lang="zh-TW" altLang="en-US" sz="800" dirty="0"/>
+                <a:t>啟動</a:t>
+              </a:r>
+              <a:endParaRPr lang="en-US" altLang="zh-TW" sz="800" dirty="0"/>
+            </a:p>
+          </p:txBody>
+        </p:sp>
+        <p:sp>
+          <p:nvSpPr>
+            <p:cNvPr id="4" name="矩形 3">
+              <a:extLst>
+                <a:ext uri="{FF2B5EF4-FFF2-40B4-BE49-F238E27FC236}">
+                  <a16:creationId xmlns:a16="http://schemas.microsoft.com/office/drawing/2014/main" id="{4F967542-763D-1644-905A-CEC67A691A30}"/>
+                </a:ext>
+              </a:extLst>
+            </p:cNvPr>
+            <p:cNvSpPr/>
+            <p:nvPr/>
+          </p:nvSpPr>
+          <p:spPr>
+            <a:xfrm>
+              <a:off x="1338607" y="1815212"/>
+              <a:ext cx="792000" cy="720000"/>
+            </a:xfrm>
+            <a:prstGeom prst="rect">
+              <a:avLst/>
+            </a:prstGeom>
+          </p:spPr>
+          <p:style>
+            <a:lnRef idx="2">
+              <a:schemeClr val="accent1">
+                <a:shade val="50000"/>
+              </a:schemeClr>
+            </a:lnRef>
+            <a:fillRef idx="1">
+              <a:schemeClr val="accent1"/>
+            </a:fillRef>
+            <a:effectRef idx="0">
+              <a:schemeClr val="accent1"/>
+            </a:effectRef>
+            <a:fontRef idx="minor">
+              <a:schemeClr val="lt1"/>
+            </a:fontRef>
+          </p:style>
+          <p:txBody>
+            <a:bodyPr rtlCol="0" anchor="ctr"/>
+            <a:lstStyle/>
+            <a:p>
+              <a:pPr algn="ctr"/>
+              <a:r>
+                <a:rPr lang="en-US" altLang="zh-TW" sz="800" dirty="0"/>
+                <a:t>Node</a:t>
+              </a:r>
+              <a:r>
+                <a:rPr lang="zh-TW" altLang="en-US" sz="800" dirty="0"/>
+                <a:t> </a:t>
+              </a:r>
+              <a:r>
+                <a:rPr lang="en-US" altLang="zh-TW" sz="800" dirty="0"/>
+                <a:t>client</a:t>
+              </a:r>
+              <a:r>
+                <a:rPr lang="zh-TW" altLang="en-US" sz="800" dirty="0"/>
+                <a:t>主動連線</a:t>
+              </a:r>
+              <a:endParaRPr lang="en-US" altLang="zh-TW" sz="800" dirty="0"/>
+            </a:p>
+          </p:txBody>
+        </p:sp>
+        <p:sp>
+          <p:nvSpPr>
+            <p:cNvPr id="5" name="矩形 4">
+              <a:extLst>
+                <a:ext uri="{FF2B5EF4-FFF2-40B4-BE49-F238E27FC236}">
+                  <a16:creationId xmlns:a16="http://schemas.microsoft.com/office/drawing/2014/main" id="{92B3C359-5FD8-6193-713D-64C416818603}"/>
+                </a:ext>
+              </a:extLst>
+            </p:cNvPr>
+            <p:cNvSpPr/>
+            <p:nvPr/>
+          </p:nvSpPr>
+          <p:spPr>
+            <a:xfrm>
+              <a:off x="1338607" y="950655"/>
+              <a:ext cx="792000" cy="720000"/>
+            </a:xfrm>
+            <a:prstGeom prst="rect">
+              <a:avLst/>
+            </a:prstGeom>
+          </p:spPr>
+          <p:style>
+            <a:lnRef idx="2">
+              <a:schemeClr val="accent1">
+                <a:shade val="50000"/>
+              </a:schemeClr>
+            </a:lnRef>
+            <a:fillRef idx="1">
+              <a:schemeClr val="accent1"/>
+            </a:fillRef>
+            <a:effectRef idx="0">
+              <a:schemeClr val="accent1"/>
+            </a:effectRef>
+            <a:fontRef idx="minor">
+              <a:schemeClr val="lt1"/>
+            </a:fontRef>
+          </p:style>
+          <p:txBody>
+            <a:bodyPr rtlCol="0" anchor="ctr"/>
+            <a:lstStyle/>
+            <a:p>
+              <a:pPr algn="ctr"/>
+              <a:r>
+                <a:rPr lang="en-US" altLang="zh-TW" sz="800" dirty="0"/>
+                <a:t>Node </a:t>
+              </a:r>
+              <a:r>
+                <a:rPr lang="zh-TW" altLang="en-US" sz="800" dirty="0"/>
+                <a:t>初始化</a:t>
+              </a:r>
+              <a:endParaRPr lang="en-US" altLang="zh-TW" sz="800" dirty="0"/>
+            </a:p>
+          </p:txBody>
+        </p:sp>
+        <p:sp>
+          <p:nvSpPr>
+            <p:cNvPr id="12" name="矩形 11">
+              <a:extLst>
+                <a:ext uri="{FF2B5EF4-FFF2-40B4-BE49-F238E27FC236}">
+                  <a16:creationId xmlns:a16="http://schemas.microsoft.com/office/drawing/2014/main" id="{58894811-949E-3734-FFD9-54545255F521}"/>
+                </a:ext>
+              </a:extLst>
+            </p:cNvPr>
+            <p:cNvSpPr/>
+            <p:nvPr/>
+          </p:nvSpPr>
+          <p:spPr>
+            <a:xfrm>
+              <a:off x="1338607" y="2679769"/>
+              <a:ext cx="792000" cy="720000"/>
+            </a:xfrm>
+            <a:prstGeom prst="rect">
+              <a:avLst/>
+            </a:prstGeom>
+          </p:spPr>
+          <p:style>
+            <a:lnRef idx="2">
+              <a:schemeClr val="accent1">
+                <a:shade val="50000"/>
+              </a:schemeClr>
+            </a:lnRef>
+            <a:fillRef idx="1">
+              <a:schemeClr val="accent1"/>
+            </a:fillRef>
+            <a:effectRef idx="0">
+              <a:schemeClr val="accent1"/>
+            </a:effectRef>
+            <a:fontRef idx="minor">
+              <a:schemeClr val="lt1"/>
+            </a:fontRef>
+          </p:style>
+          <p:txBody>
+            <a:bodyPr rtlCol="0" anchor="ctr"/>
+            <a:lstStyle/>
+            <a:p>
+              <a:pPr algn="ctr"/>
+              <a:r>
+                <a:rPr lang="en-US" altLang="zh-TW" sz="800" dirty="0"/>
+                <a:t>Node</a:t>
+              </a:r>
+              <a:r>
+                <a:rPr lang="zh-TW" altLang="en-US" sz="800" dirty="0"/>
+                <a:t> </a:t>
+              </a:r>
+              <a:r>
+                <a:rPr lang="en-US" altLang="zh-TW" sz="800" dirty="0"/>
+                <a:t>client</a:t>
+              </a:r>
+              <a:r>
+                <a:rPr lang="zh-TW" altLang="en-US" sz="800" dirty="0"/>
+                <a:t>主動連線</a:t>
+              </a:r>
+              <a:endParaRPr lang="en-US" altLang="zh-TW" sz="800" dirty="0"/>
+            </a:p>
+          </p:txBody>
+        </p:sp>
+        <p:sp>
+          <p:nvSpPr>
+            <p:cNvPr id="13" name="菱形 12">
+              <a:extLst>
+                <a:ext uri="{FF2B5EF4-FFF2-40B4-BE49-F238E27FC236}">
+                  <a16:creationId xmlns:a16="http://schemas.microsoft.com/office/drawing/2014/main" id="{C63D9C27-3C25-DA6C-02CA-1E084E9F3E2F}"/>
+                </a:ext>
+              </a:extLst>
+            </p:cNvPr>
+            <p:cNvSpPr/>
+            <p:nvPr/>
+          </p:nvSpPr>
+          <p:spPr>
+            <a:xfrm>
+              <a:off x="1338607" y="3544326"/>
+              <a:ext cx="792000" cy="720000"/>
+            </a:xfrm>
+            <a:prstGeom prst="diamond">
+              <a:avLst/>
+            </a:prstGeom>
+          </p:spPr>
+          <p:style>
+            <a:lnRef idx="2">
+              <a:schemeClr val="accent1">
+                <a:shade val="50000"/>
+              </a:schemeClr>
+            </a:lnRef>
+            <a:fillRef idx="1">
+              <a:schemeClr val="accent1"/>
+            </a:fillRef>
+            <a:effectRef idx="0">
+              <a:schemeClr val="accent1"/>
+            </a:effectRef>
+            <a:fontRef idx="minor">
+              <a:schemeClr val="lt1"/>
+            </a:fontRef>
+          </p:style>
+          <p:txBody>
+            <a:bodyPr rtlCol="0" anchor="ctr"/>
+            <a:lstStyle/>
+            <a:p>
+              <a:pPr algn="ctr"/>
+              <a:r>
+                <a:rPr lang="zh-TW" altLang="en-US" sz="800" dirty="0"/>
+                <a:t>主程式結束</a:t>
+              </a:r>
+            </a:p>
+          </p:txBody>
+        </p:sp>
+        <p:sp>
+          <p:nvSpPr>
+            <p:cNvPr id="14" name="菱形 13">
+              <a:extLst>
+                <a:ext uri="{FF2B5EF4-FFF2-40B4-BE49-F238E27FC236}">
+                  <a16:creationId xmlns:a16="http://schemas.microsoft.com/office/drawing/2014/main" id="{2098A080-640B-952E-2D36-8FAABF7C87E2}"/>
+                </a:ext>
+              </a:extLst>
+            </p:cNvPr>
+            <p:cNvSpPr/>
+            <p:nvPr/>
+          </p:nvSpPr>
+          <p:spPr>
+            <a:xfrm>
+              <a:off x="1338607" y="4408883"/>
+              <a:ext cx="792000" cy="720000"/>
+            </a:xfrm>
+            <a:prstGeom prst="diamond">
+              <a:avLst/>
+            </a:prstGeom>
+          </p:spPr>
+          <p:style>
+            <a:lnRef idx="2">
+              <a:schemeClr val="accent1">
+                <a:shade val="50000"/>
+              </a:schemeClr>
+            </a:lnRef>
+            <a:fillRef idx="1">
+              <a:schemeClr val="accent1"/>
+            </a:fillRef>
+            <a:effectRef idx="0">
+              <a:schemeClr val="accent1"/>
+            </a:effectRef>
+            <a:fontRef idx="minor">
+              <a:schemeClr val="lt1"/>
+            </a:fontRef>
+          </p:style>
+          <p:txBody>
+            <a:bodyPr rtlCol="0" anchor="ctr"/>
+            <a:lstStyle/>
+            <a:p>
+              <a:pPr algn="ctr"/>
+              <a:r>
+                <a:rPr lang="zh-TW" altLang="en-US" sz="800" dirty="0"/>
+                <a:t>是否為惡意模式</a:t>
+              </a:r>
+            </a:p>
+          </p:txBody>
+        </p:sp>
+        <p:sp>
+          <p:nvSpPr>
+            <p:cNvPr id="15" name="矩形 14">
+              <a:extLst>
+                <a:ext uri="{FF2B5EF4-FFF2-40B4-BE49-F238E27FC236}">
+                  <a16:creationId xmlns:a16="http://schemas.microsoft.com/office/drawing/2014/main" id="{6B64BBE8-A4BF-4907-A276-C2DC3598250B}"/>
+                </a:ext>
+              </a:extLst>
+            </p:cNvPr>
+            <p:cNvSpPr/>
+            <p:nvPr/>
+          </p:nvSpPr>
+          <p:spPr>
+            <a:xfrm>
+              <a:off x="1338607" y="5273440"/>
+              <a:ext cx="792000" cy="720000"/>
+            </a:xfrm>
+            <a:prstGeom prst="rect">
+              <a:avLst/>
+            </a:prstGeom>
+          </p:spPr>
+          <p:style>
+            <a:lnRef idx="2">
+              <a:schemeClr val="accent1">
+                <a:shade val="50000"/>
+              </a:schemeClr>
+            </a:lnRef>
+            <a:fillRef idx="1">
+              <a:schemeClr val="accent1"/>
+            </a:fillRef>
+            <a:effectRef idx="0">
+              <a:schemeClr val="accent1"/>
+            </a:effectRef>
+            <a:fontRef idx="minor">
+              <a:schemeClr val="lt1"/>
+            </a:fontRef>
+          </p:style>
+          <p:txBody>
+            <a:bodyPr rtlCol="0" anchor="ctr"/>
+            <a:lstStyle/>
+            <a:p>
+              <a:pPr algn="ctr"/>
+              <a:r>
+                <a:rPr lang="zh-TW" altLang="en-US" sz="800" dirty="0"/>
+                <a:t>一般指令模式</a:t>
+              </a:r>
+              <a:endParaRPr lang="en-US" altLang="zh-TW" sz="800" dirty="0"/>
+            </a:p>
+          </p:txBody>
+        </p:sp>
+        <p:sp>
+          <p:nvSpPr>
+            <p:cNvPr id="16" name="矩形 15">
+              <a:extLst>
+                <a:ext uri="{FF2B5EF4-FFF2-40B4-BE49-F238E27FC236}">
+                  <a16:creationId xmlns:a16="http://schemas.microsoft.com/office/drawing/2014/main" id="{E47671BB-0D37-4913-96FE-5D0B134FF71C}"/>
+                </a:ext>
+              </a:extLst>
+            </p:cNvPr>
+            <p:cNvSpPr/>
+            <p:nvPr/>
+          </p:nvSpPr>
+          <p:spPr>
+            <a:xfrm>
+              <a:off x="210847" y="4408883"/>
+              <a:ext cx="792000" cy="720000"/>
+            </a:xfrm>
+            <a:prstGeom prst="rect">
+              <a:avLst/>
+            </a:prstGeom>
+          </p:spPr>
+          <p:style>
+            <a:lnRef idx="2">
+              <a:schemeClr val="accent1">
+                <a:shade val="50000"/>
+              </a:schemeClr>
+            </a:lnRef>
+            <a:fillRef idx="1">
+              <a:schemeClr val="accent1"/>
+            </a:fillRef>
+            <a:effectRef idx="0">
+              <a:schemeClr val="accent1"/>
+            </a:effectRef>
+            <a:fontRef idx="minor">
+              <a:schemeClr val="lt1"/>
+            </a:fontRef>
+          </p:style>
+          <p:txBody>
+            <a:bodyPr rtlCol="0" anchor="ctr"/>
+            <a:lstStyle/>
+            <a:p>
+              <a:pPr algn="ctr"/>
+              <a:r>
+                <a:rPr lang="zh-TW" altLang="en-US" sz="800" dirty="0"/>
+                <a:t>自動傳送訊息模式</a:t>
+              </a:r>
+              <a:endParaRPr lang="en-US" altLang="zh-TW" sz="800" dirty="0"/>
+            </a:p>
+          </p:txBody>
+        </p:sp>
+        <p:sp>
+          <p:nvSpPr>
+            <p:cNvPr id="31" name="橢圓 30">
+              <a:extLst>
+                <a:ext uri="{FF2B5EF4-FFF2-40B4-BE49-F238E27FC236}">
+                  <a16:creationId xmlns:a16="http://schemas.microsoft.com/office/drawing/2014/main" id="{8774714A-A094-F795-34A5-75F04B2679DA}"/>
+                </a:ext>
+              </a:extLst>
+            </p:cNvPr>
+            <p:cNvSpPr/>
+            <p:nvPr/>
+          </p:nvSpPr>
+          <p:spPr>
+            <a:xfrm>
+              <a:off x="1338607" y="6138000"/>
+              <a:ext cx="792000" cy="720000"/>
+            </a:xfrm>
+            <a:prstGeom prst="ellipse">
+              <a:avLst/>
+            </a:prstGeom>
+          </p:spPr>
+          <p:style>
+            <a:lnRef idx="2">
+              <a:schemeClr val="accent1">
+                <a:shade val="50000"/>
+              </a:schemeClr>
+            </a:lnRef>
+            <a:fillRef idx="1">
+              <a:schemeClr val="accent1"/>
+            </a:fillRef>
+            <a:effectRef idx="0">
+              <a:schemeClr val="accent1"/>
+            </a:effectRef>
+            <a:fontRef idx="minor">
+              <a:schemeClr val="lt1"/>
+            </a:fontRef>
+          </p:style>
+          <p:txBody>
+            <a:bodyPr rtlCol="0" anchor="ctr"/>
+            <a:lstStyle/>
+            <a:p>
+              <a:pPr algn="ctr"/>
+              <a:r>
+                <a:rPr lang="zh-TW" altLang="en-US" sz="800" dirty="0"/>
+                <a:t>結束</a:t>
+              </a:r>
+            </a:p>
+          </p:txBody>
+        </p:sp>
+        <p:cxnSp>
+          <p:nvCxnSpPr>
+            <p:cNvPr id="33" name="直線單箭頭接點 32">
+              <a:extLst>
+                <a:ext uri="{FF2B5EF4-FFF2-40B4-BE49-F238E27FC236}">
+                  <a16:creationId xmlns:a16="http://schemas.microsoft.com/office/drawing/2014/main" id="{23B845C0-9023-A24F-E098-E8A4554223C5}"/>
+                </a:ext>
+              </a:extLst>
+            </p:cNvPr>
+            <p:cNvCxnSpPr>
+              <a:stCxn id="2" idx="4"/>
+              <a:endCxn id="5" idx="0"/>
+            </p:cNvCxnSpPr>
+            <p:nvPr/>
+          </p:nvCxnSpPr>
+          <p:spPr>
+            <a:xfrm>
+              <a:off x="1734607" y="806098"/>
+              <a:ext cx="0" cy="144557"/>
+            </a:xfrm>
+            <a:prstGeom prst="straightConnector1">
+              <a:avLst/>
+            </a:prstGeom>
+            <a:ln>
+              <a:tailEnd type="triangle"/>
+            </a:ln>
+          </p:spPr>
+          <p:style>
+            <a:lnRef idx="1">
+              <a:schemeClr val="accent1"/>
+            </a:lnRef>
+            <a:fillRef idx="0">
+              <a:schemeClr val="accent1"/>
+            </a:fillRef>
+            <a:effectRef idx="0">
+              <a:schemeClr val="accent1"/>
+            </a:effectRef>
+            <a:fontRef idx="minor">
+              <a:schemeClr val="tx1"/>
+            </a:fontRef>
+          </p:style>
+        </p:cxnSp>
+        <p:cxnSp>
+          <p:nvCxnSpPr>
+            <p:cNvPr id="34" name="直線單箭頭接點 33">
+              <a:extLst>
+                <a:ext uri="{FF2B5EF4-FFF2-40B4-BE49-F238E27FC236}">
+                  <a16:creationId xmlns:a16="http://schemas.microsoft.com/office/drawing/2014/main" id="{39AFCA9F-A6DD-8DC9-74CC-3C27526C8D55}"/>
+                </a:ext>
+              </a:extLst>
+            </p:cNvPr>
+            <p:cNvCxnSpPr>
+              <a:cxnSpLocks/>
+              <a:stCxn id="5" idx="2"/>
+              <a:endCxn id="4" idx="0"/>
+            </p:cNvCxnSpPr>
+            <p:nvPr/>
+          </p:nvCxnSpPr>
+          <p:spPr>
+            <a:xfrm>
+              <a:off x="1734607" y="1670655"/>
+              <a:ext cx="0" cy="144557"/>
+            </a:xfrm>
+            <a:prstGeom prst="straightConnector1">
+              <a:avLst/>
+            </a:prstGeom>
+            <a:ln>
+              <a:tailEnd type="triangle"/>
+            </a:ln>
+          </p:spPr>
+          <p:style>
+            <a:lnRef idx="1">
+              <a:schemeClr val="accent1"/>
+            </a:lnRef>
+            <a:fillRef idx="0">
+              <a:schemeClr val="accent1"/>
+            </a:fillRef>
+            <a:effectRef idx="0">
+              <a:schemeClr val="accent1"/>
+            </a:effectRef>
+            <a:fontRef idx="minor">
+              <a:schemeClr val="tx1"/>
+            </a:fontRef>
+          </p:style>
+        </p:cxnSp>
+        <p:cxnSp>
+          <p:nvCxnSpPr>
+            <p:cNvPr id="35" name="直線單箭頭接點 34">
+              <a:extLst>
+                <a:ext uri="{FF2B5EF4-FFF2-40B4-BE49-F238E27FC236}">
+                  <a16:creationId xmlns:a16="http://schemas.microsoft.com/office/drawing/2014/main" id="{4C3E1E37-E141-5842-4BFD-76583096E0CC}"/>
+                </a:ext>
+              </a:extLst>
+            </p:cNvPr>
+            <p:cNvCxnSpPr>
+              <a:cxnSpLocks/>
+              <a:stCxn id="4" idx="2"/>
+              <a:endCxn id="12" idx="0"/>
+            </p:cNvCxnSpPr>
+            <p:nvPr/>
+          </p:nvCxnSpPr>
+          <p:spPr>
+            <a:xfrm>
+              <a:off x="1734607" y="2535212"/>
+              <a:ext cx="0" cy="144557"/>
+            </a:xfrm>
+            <a:prstGeom prst="straightConnector1">
+              <a:avLst/>
+            </a:prstGeom>
+            <a:ln>
+              <a:tailEnd type="triangle"/>
+            </a:ln>
+          </p:spPr>
+          <p:style>
+            <a:lnRef idx="1">
+              <a:schemeClr val="accent1"/>
+            </a:lnRef>
+            <a:fillRef idx="0">
+              <a:schemeClr val="accent1"/>
+            </a:fillRef>
+            <a:effectRef idx="0">
+              <a:schemeClr val="accent1"/>
+            </a:effectRef>
+            <a:fontRef idx="minor">
+              <a:schemeClr val="tx1"/>
+            </a:fontRef>
+          </p:style>
+        </p:cxnSp>
+        <p:cxnSp>
+          <p:nvCxnSpPr>
+            <p:cNvPr id="36" name="直線單箭頭接點 35">
+              <a:extLst>
+                <a:ext uri="{FF2B5EF4-FFF2-40B4-BE49-F238E27FC236}">
+                  <a16:creationId xmlns:a16="http://schemas.microsoft.com/office/drawing/2014/main" id="{037CA459-2500-052C-BB37-D9121256D72C}"/>
+                </a:ext>
+              </a:extLst>
+            </p:cNvPr>
+            <p:cNvCxnSpPr/>
+            <p:nvPr/>
+          </p:nvCxnSpPr>
+          <p:spPr>
+            <a:xfrm>
+              <a:off x="1734607" y="3399241"/>
+              <a:ext cx="0" cy="144557"/>
+            </a:xfrm>
+            <a:prstGeom prst="straightConnector1">
+              <a:avLst/>
+            </a:prstGeom>
+            <a:ln>
+              <a:tailEnd type="triangle"/>
+            </a:ln>
+          </p:spPr>
+          <p:style>
+            <a:lnRef idx="1">
+              <a:schemeClr val="accent1"/>
+            </a:lnRef>
+            <a:fillRef idx="0">
+              <a:schemeClr val="accent1"/>
+            </a:fillRef>
+            <a:effectRef idx="0">
+              <a:schemeClr val="accent1"/>
+            </a:effectRef>
+            <a:fontRef idx="minor">
+              <a:schemeClr val="tx1"/>
+            </a:fontRef>
+          </p:style>
+        </p:cxnSp>
+        <p:cxnSp>
+          <p:nvCxnSpPr>
+            <p:cNvPr id="37" name="直線單箭頭接點 36">
+              <a:extLst>
+                <a:ext uri="{FF2B5EF4-FFF2-40B4-BE49-F238E27FC236}">
+                  <a16:creationId xmlns:a16="http://schemas.microsoft.com/office/drawing/2014/main" id="{3B3004F4-CC79-05EF-8308-09D93A0D4FC6}"/>
+                </a:ext>
+              </a:extLst>
+            </p:cNvPr>
+            <p:cNvCxnSpPr/>
+            <p:nvPr/>
+          </p:nvCxnSpPr>
+          <p:spPr>
+            <a:xfrm>
+              <a:off x="1734607" y="4264326"/>
+              <a:ext cx="0" cy="144557"/>
+            </a:xfrm>
+            <a:prstGeom prst="straightConnector1">
+              <a:avLst/>
+            </a:prstGeom>
+            <a:ln>
+              <a:tailEnd type="triangle"/>
+            </a:ln>
+          </p:spPr>
+          <p:style>
+            <a:lnRef idx="1">
+              <a:schemeClr val="accent1"/>
+            </a:lnRef>
+            <a:fillRef idx="0">
+              <a:schemeClr val="accent1"/>
+            </a:fillRef>
+            <a:effectRef idx="0">
+              <a:schemeClr val="accent1"/>
+            </a:effectRef>
+            <a:fontRef idx="minor">
+              <a:schemeClr val="tx1"/>
+            </a:fontRef>
+          </p:style>
+        </p:cxnSp>
+        <p:cxnSp>
+          <p:nvCxnSpPr>
+            <p:cNvPr id="38" name="直線單箭頭接點 37">
+              <a:extLst>
+                <a:ext uri="{FF2B5EF4-FFF2-40B4-BE49-F238E27FC236}">
+                  <a16:creationId xmlns:a16="http://schemas.microsoft.com/office/drawing/2014/main" id="{267043F8-21AA-4723-5F68-24EE36918E68}"/>
+                </a:ext>
+              </a:extLst>
+            </p:cNvPr>
+            <p:cNvCxnSpPr>
+              <a:cxnSpLocks/>
+            </p:cNvCxnSpPr>
+            <p:nvPr/>
+          </p:nvCxnSpPr>
+          <p:spPr>
+            <a:xfrm>
+              <a:off x="1729101" y="5128883"/>
+              <a:ext cx="0" cy="144557"/>
+            </a:xfrm>
+            <a:prstGeom prst="straightConnector1">
+              <a:avLst/>
+            </a:prstGeom>
+            <a:ln>
+              <a:tailEnd type="triangle"/>
+            </a:ln>
+          </p:spPr>
+          <p:style>
+            <a:lnRef idx="1">
+              <a:schemeClr val="accent1"/>
+            </a:lnRef>
+            <a:fillRef idx="0">
+              <a:schemeClr val="accent1"/>
+            </a:fillRef>
+            <a:effectRef idx="0">
+              <a:schemeClr val="accent1"/>
+            </a:effectRef>
+            <a:fontRef idx="minor">
+              <a:schemeClr val="tx1"/>
+            </a:fontRef>
+          </p:style>
+        </p:cxnSp>
+        <p:cxnSp>
+          <p:nvCxnSpPr>
+            <p:cNvPr id="43" name="直線單箭頭接點 42">
+              <a:extLst>
+                <a:ext uri="{FF2B5EF4-FFF2-40B4-BE49-F238E27FC236}">
+                  <a16:creationId xmlns:a16="http://schemas.microsoft.com/office/drawing/2014/main" id="{E038C953-E7D6-26A4-8843-D1334A708B89}"/>
+                </a:ext>
+              </a:extLst>
+            </p:cNvPr>
+            <p:cNvCxnSpPr>
+              <a:cxnSpLocks/>
+              <a:stCxn id="14" idx="1"/>
+              <a:endCxn id="16" idx="3"/>
+            </p:cNvCxnSpPr>
+            <p:nvPr/>
+          </p:nvCxnSpPr>
+          <p:spPr>
+            <a:xfrm flipH="1">
+              <a:off x="1002847" y="4768883"/>
+              <a:ext cx="335760" cy="0"/>
+            </a:xfrm>
+            <a:prstGeom prst="straightConnector1">
+              <a:avLst/>
+            </a:prstGeom>
+            <a:ln>
+              <a:tailEnd type="triangle"/>
+            </a:ln>
+          </p:spPr>
+          <p:style>
+            <a:lnRef idx="1">
+              <a:schemeClr val="accent1"/>
+            </a:lnRef>
+            <a:fillRef idx="0">
+              <a:schemeClr val="accent1"/>
+            </a:fillRef>
+            <a:effectRef idx="0">
+              <a:schemeClr val="accent1"/>
+            </a:effectRef>
+            <a:fontRef idx="minor">
+              <a:schemeClr val="tx1"/>
+            </a:fontRef>
+          </p:style>
+        </p:cxnSp>
+        <p:cxnSp>
+          <p:nvCxnSpPr>
+            <p:cNvPr id="47" name="直線單箭頭接點 46">
+              <a:extLst>
+                <a:ext uri="{FF2B5EF4-FFF2-40B4-BE49-F238E27FC236}">
+                  <a16:creationId xmlns:a16="http://schemas.microsoft.com/office/drawing/2014/main" id="{5D116597-4206-8CB1-1BEB-25EA06660603}"/>
+                </a:ext>
+              </a:extLst>
+            </p:cNvPr>
+            <p:cNvCxnSpPr>
+              <a:cxnSpLocks/>
+              <a:endCxn id="13" idx="1"/>
+            </p:cNvCxnSpPr>
+            <p:nvPr/>
+          </p:nvCxnSpPr>
+          <p:spPr>
+            <a:xfrm>
+              <a:off x="606847" y="3904326"/>
+              <a:ext cx="731760" cy="0"/>
+            </a:xfrm>
+            <a:prstGeom prst="straightConnector1">
+              <a:avLst/>
+            </a:prstGeom>
+            <a:ln>
+              <a:tailEnd type="triangle"/>
+            </a:ln>
+          </p:spPr>
+          <p:style>
+            <a:lnRef idx="1">
+              <a:schemeClr val="accent1"/>
+            </a:lnRef>
+            <a:fillRef idx="0">
+              <a:schemeClr val="accent1"/>
+            </a:fillRef>
+            <a:effectRef idx="0">
+              <a:schemeClr val="accent1"/>
+            </a:effectRef>
+            <a:fontRef idx="minor">
+              <a:schemeClr val="tx1"/>
+            </a:fontRef>
+          </p:style>
+        </p:cxnSp>
+        <p:cxnSp>
+          <p:nvCxnSpPr>
+            <p:cNvPr id="51" name="直線接點 50">
+              <a:extLst>
+                <a:ext uri="{FF2B5EF4-FFF2-40B4-BE49-F238E27FC236}">
+                  <a16:creationId xmlns:a16="http://schemas.microsoft.com/office/drawing/2014/main" id="{76543F61-C94C-5E69-DB07-1B4102A48F11}"/>
+                </a:ext>
+              </a:extLst>
+            </p:cNvPr>
+            <p:cNvCxnSpPr>
+              <a:stCxn id="16" idx="0"/>
+            </p:cNvCxnSpPr>
+            <p:nvPr/>
+          </p:nvCxnSpPr>
+          <p:spPr>
+            <a:xfrm flipV="1">
+              <a:off x="606847" y="3904326"/>
+              <a:ext cx="0" cy="504557"/>
+            </a:xfrm>
+            <a:prstGeom prst="line">
+              <a:avLst/>
+            </a:prstGeom>
+          </p:spPr>
+          <p:style>
+            <a:lnRef idx="1">
+              <a:schemeClr val="accent1"/>
+            </a:lnRef>
+            <a:fillRef idx="0">
+              <a:schemeClr val="accent1"/>
+            </a:fillRef>
+            <a:effectRef idx="0">
+              <a:schemeClr val="accent1"/>
+            </a:effectRef>
+            <a:fontRef idx="minor">
+              <a:schemeClr val="tx1"/>
+            </a:fontRef>
+          </p:style>
+        </p:cxnSp>
+        <p:sp>
+          <p:nvSpPr>
+            <p:cNvPr id="65" name="文字方塊 64">
+              <a:extLst>
+                <a:ext uri="{FF2B5EF4-FFF2-40B4-BE49-F238E27FC236}">
+                  <a16:creationId xmlns:a16="http://schemas.microsoft.com/office/drawing/2014/main" id="{FD182012-9344-9D62-119E-C226B015BBF3}"/>
+                </a:ext>
+              </a:extLst>
+            </p:cNvPr>
+            <p:cNvSpPr txBox="1"/>
+            <p:nvPr/>
+          </p:nvSpPr>
+          <p:spPr>
+            <a:xfrm>
+              <a:off x="2200278" y="3688884"/>
+              <a:ext cx="475068" cy="215444"/>
+            </a:xfrm>
+            <a:prstGeom prst="rect">
+              <a:avLst/>
+            </a:prstGeom>
+            <a:noFill/>
+          </p:spPr>
+          <p:txBody>
+            <a:bodyPr wrap="square" rtlCol="0">
+              <a:spAutoFit/>
+            </a:bodyPr>
+            <a:lstStyle/>
+            <a:p>
+              <a:r>
+                <a:rPr lang="zh-TW" altLang="en-US" sz="800" dirty="0"/>
+                <a:t>是</a:t>
+              </a:r>
+            </a:p>
+          </p:txBody>
+        </p:sp>
+        <p:sp>
+          <p:nvSpPr>
+            <p:cNvPr id="66" name="文字方塊 65">
+              <a:extLst>
+                <a:ext uri="{FF2B5EF4-FFF2-40B4-BE49-F238E27FC236}">
+                  <a16:creationId xmlns:a16="http://schemas.microsoft.com/office/drawing/2014/main" id="{395EEF5C-735B-D0D4-56FF-FA620ADC6220}"/>
+                </a:ext>
+              </a:extLst>
+            </p:cNvPr>
+            <p:cNvSpPr txBox="1"/>
+            <p:nvPr/>
+          </p:nvSpPr>
+          <p:spPr>
+            <a:xfrm>
+              <a:off x="1729101" y="4228881"/>
+              <a:ext cx="475068" cy="215444"/>
+            </a:xfrm>
+            <a:prstGeom prst="rect">
+              <a:avLst/>
+            </a:prstGeom>
+            <a:noFill/>
+          </p:spPr>
+          <p:txBody>
+            <a:bodyPr wrap="square" rtlCol="0">
+              <a:spAutoFit/>
+            </a:bodyPr>
+            <a:lstStyle/>
+            <a:p>
+              <a:r>
+                <a:rPr lang="zh-TW" altLang="en-US" sz="800" dirty="0"/>
+                <a:t>否</a:t>
+              </a:r>
+            </a:p>
+          </p:txBody>
+        </p:sp>
+        <p:cxnSp>
+          <p:nvCxnSpPr>
+            <p:cNvPr id="67" name="直線單箭頭接點 66">
+              <a:extLst>
+                <a:ext uri="{FF2B5EF4-FFF2-40B4-BE49-F238E27FC236}">
+                  <a16:creationId xmlns:a16="http://schemas.microsoft.com/office/drawing/2014/main" id="{026A803C-DDE1-05F7-9E91-22C52E87C849}"/>
+                </a:ext>
+              </a:extLst>
+            </p:cNvPr>
+            <p:cNvCxnSpPr>
+              <a:cxnSpLocks/>
+              <a:endCxn id="31" idx="6"/>
+            </p:cNvCxnSpPr>
+            <p:nvPr/>
+          </p:nvCxnSpPr>
+          <p:spPr>
+            <a:xfrm flipH="1">
+              <a:off x="2130607" y="6498000"/>
+              <a:ext cx="372563" cy="0"/>
+            </a:xfrm>
+            <a:prstGeom prst="straightConnector1">
+              <a:avLst/>
+            </a:prstGeom>
+            <a:ln>
+              <a:tailEnd type="triangle"/>
+            </a:ln>
+          </p:spPr>
+          <p:style>
+            <a:lnRef idx="1">
+              <a:schemeClr val="accent1"/>
+            </a:lnRef>
+            <a:fillRef idx="0">
+              <a:schemeClr val="accent1"/>
+            </a:fillRef>
+            <a:effectRef idx="0">
+              <a:schemeClr val="accent1"/>
+            </a:effectRef>
+            <a:fontRef idx="minor">
+              <a:schemeClr val="tx1"/>
+            </a:fontRef>
+          </p:style>
+        </p:cxnSp>
+        <p:cxnSp>
+          <p:nvCxnSpPr>
+            <p:cNvPr id="71" name="直線接點 70">
+              <a:extLst>
+                <a:ext uri="{FF2B5EF4-FFF2-40B4-BE49-F238E27FC236}">
+                  <a16:creationId xmlns:a16="http://schemas.microsoft.com/office/drawing/2014/main" id="{DEDFB2CD-02A6-31AF-0252-27A6AB89A7FB}"/>
+                </a:ext>
+              </a:extLst>
+            </p:cNvPr>
+            <p:cNvCxnSpPr>
+              <a:stCxn id="13" idx="3"/>
+            </p:cNvCxnSpPr>
+            <p:nvPr/>
+          </p:nvCxnSpPr>
+          <p:spPr>
+            <a:xfrm>
+              <a:off x="2130607" y="3904326"/>
+              <a:ext cx="372563" cy="0"/>
+            </a:xfrm>
+            <a:prstGeom prst="line">
+              <a:avLst/>
+            </a:prstGeom>
+          </p:spPr>
+          <p:style>
+            <a:lnRef idx="1">
+              <a:schemeClr val="accent1"/>
+            </a:lnRef>
+            <a:fillRef idx="0">
+              <a:schemeClr val="accent1"/>
+            </a:fillRef>
+            <a:effectRef idx="0">
+              <a:schemeClr val="accent1"/>
+            </a:effectRef>
+            <a:fontRef idx="minor">
+              <a:schemeClr val="tx1"/>
+            </a:fontRef>
+          </p:style>
+        </p:cxnSp>
+        <p:cxnSp>
+          <p:nvCxnSpPr>
+            <p:cNvPr id="72" name="直線接點 71">
+              <a:extLst>
+                <a:ext uri="{FF2B5EF4-FFF2-40B4-BE49-F238E27FC236}">
+                  <a16:creationId xmlns:a16="http://schemas.microsoft.com/office/drawing/2014/main" id="{48E43413-C8E0-AF32-025C-0FCCE31B1F20}"/>
+                </a:ext>
+              </a:extLst>
+            </p:cNvPr>
+            <p:cNvCxnSpPr>
+              <a:cxnSpLocks/>
+            </p:cNvCxnSpPr>
+            <p:nvPr/>
+          </p:nvCxnSpPr>
+          <p:spPr>
+            <a:xfrm flipV="1">
+              <a:off x="2503170" y="3904326"/>
+              <a:ext cx="0" cy="2593674"/>
+            </a:xfrm>
+            <a:prstGeom prst="line">
+              <a:avLst/>
+            </a:prstGeom>
+          </p:spPr>
+          <p:style>
+            <a:lnRef idx="1">
+              <a:schemeClr val="accent1"/>
+            </a:lnRef>
+            <a:fillRef idx="0">
+              <a:schemeClr val="accent1"/>
+            </a:fillRef>
+            <a:effectRef idx="0">
+              <a:schemeClr val="accent1"/>
+            </a:effectRef>
+            <a:fontRef idx="minor">
+              <a:schemeClr val="tx1"/>
+            </a:fontRef>
+          </p:style>
+        </p:cxnSp>
+        <p:sp>
+          <p:nvSpPr>
+            <p:cNvPr id="77" name="文字方塊 76">
+              <a:extLst>
+                <a:ext uri="{FF2B5EF4-FFF2-40B4-BE49-F238E27FC236}">
+                  <a16:creationId xmlns:a16="http://schemas.microsoft.com/office/drawing/2014/main" id="{7DF0ACB9-55C5-AC33-6BD9-6F6244D80A0A}"/>
+                </a:ext>
+              </a:extLst>
+            </p:cNvPr>
+            <p:cNvSpPr txBox="1"/>
+            <p:nvPr/>
+          </p:nvSpPr>
+          <p:spPr>
+            <a:xfrm>
+              <a:off x="1729101" y="5062108"/>
+              <a:ext cx="475068" cy="215444"/>
+            </a:xfrm>
+            <a:prstGeom prst="rect">
+              <a:avLst/>
+            </a:prstGeom>
+            <a:noFill/>
+          </p:spPr>
+          <p:txBody>
+            <a:bodyPr wrap="square" rtlCol="0">
+              <a:spAutoFit/>
+            </a:bodyPr>
+            <a:lstStyle/>
+            <a:p>
+              <a:r>
+                <a:rPr lang="zh-TW" altLang="en-US" sz="800" dirty="0"/>
+                <a:t>否</a:t>
+              </a:r>
+            </a:p>
+          </p:txBody>
+        </p:sp>
+        <p:sp>
+          <p:nvSpPr>
+            <p:cNvPr id="78" name="文字方塊 77">
+              <a:extLst>
+                <a:ext uri="{FF2B5EF4-FFF2-40B4-BE49-F238E27FC236}">
+                  <a16:creationId xmlns:a16="http://schemas.microsoft.com/office/drawing/2014/main" id="{9FF5AE64-A716-3B39-5D52-EA700CDAB94C}"/>
+                </a:ext>
+              </a:extLst>
+            </p:cNvPr>
+            <p:cNvSpPr txBox="1"/>
+            <p:nvPr/>
+          </p:nvSpPr>
+          <p:spPr>
+            <a:xfrm>
+              <a:off x="1064314" y="4544133"/>
+              <a:ext cx="475068" cy="215444"/>
+            </a:xfrm>
+            <a:prstGeom prst="rect">
+              <a:avLst/>
+            </a:prstGeom>
+            <a:noFill/>
+          </p:spPr>
+          <p:txBody>
+            <a:bodyPr wrap="square" rtlCol="0">
+              <a:spAutoFit/>
+            </a:bodyPr>
+            <a:lstStyle/>
+            <a:p>
+              <a:r>
+                <a:rPr lang="zh-TW" altLang="en-US" sz="800" dirty="0"/>
+                <a:t>是</a:t>
+              </a:r>
+            </a:p>
+          </p:txBody>
+        </p:sp>
+        <p:cxnSp>
+          <p:nvCxnSpPr>
+            <p:cNvPr id="97" name="直線接點 96">
+              <a:extLst>
+                <a:ext uri="{FF2B5EF4-FFF2-40B4-BE49-F238E27FC236}">
+                  <a16:creationId xmlns:a16="http://schemas.microsoft.com/office/drawing/2014/main" id="{735792BD-9974-9141-EA46-520ED1C53CC9}"/>
+                </a:ext>
+              </a:extLst>
+            </p:cNvPr>
+            <p:cNvCxnSpPr>
+              <a:cxnSpLocks/>
+            </p:cNvCxnSpPr>
+            <p:nvPr/>
+          </p:nvCxnSpPr>
+          <p:spPr>
+            <a:xfrm flipV="1">
+              <a:off x="2727960" y="2168910"/>
+              <a:ext cx="0" cy="1735416"/>
+            </a:xfrm>
+            <a:prstGeom prst="line">
+              <a:avLst/>
+            </a:prstGeom>
+          </p:spPr>
+          <p:style>
+            <a:lnRef idx="1">
+              <a:schemeClr val="accent1"/>
+            </a:lnRef>
+            <a:fillRef idx="0">
+              <a:schemeClr val="accent1"/>
+            </a:fillRef>
+            <a:effectRef idx="0">
+              <a:schemeClr val="accent1"/>
+            </a:effectRef>
+            <a:fontRef idx="minor">
+              <a:schemeClr val="tx1"/>
+            </a:fontRef>
+          </p:style>
+        </p:cxnSp>
+        <p:sp>
+          <p:nvSpPr>
+            <p:cNvPr id="152" name="文字方塊 151">
+              <a:extLst>
+                <a:ext uri="{FF2B5EF4-FFF2-40B4-BE49-F238E27FC236}">
+                  <a16:creationId xmlns:a16="http://schemas.microsoft.com/office/drawing/2014/main" id="{8119A27D-C825-4DE1-E88F-53093978C760}"/>
+                </a:ext>
+              </a:extLst>
+            </p:cNvPr>
+            <p:cNvSpPr txBox="1"/>
+            <p:nvPr/>
+          </p:nvSpPr>
+          <p:spPr>
+            <a:xfrm>
+              <a:off x="6677884" y="3352664"/>
+              <a:ext cx="475068" cy="215444"/>
+            </a:xfrm>
+            <a:prstGeom prst="rect">
+              <a:avLst/>
+            </a:prstGeom>
+            <a:noFill/>
+          </p:spPr>
+          <p:txBody>
+            <a:bodyPr wrap="square" rtlCol="0">
+              <a:spAutoFit/>
+            </a:bodyPr>
+            <a:lstStyle/>
+            <a:p>
+              <a:r>
+                <a:rPr lang="zh-TW" altLang="en-US" sz="800" dirty="0"/>
+                <a:t>是</a:t>
+              </a:r>
+            </a:p>
+          </p:txBody>
+        </p:sp>
+        <p:sp>
+          <p:nvSpPr>
+            <p:cNvPr id="193" name="文字方塊 192">
+              <a:extLst>
+                <a:ext uri="{FF2B5EF4-FFF2-40B4-BE49-F238E27FC236}">
+                  <a16:creationId xmlns:a16="http://schemas.microsoft.com/office/drawing/2014/main" id="{12E5F95D-CAA3-79C2-F8F6-4112E1C97BFD}"/>
+                </a:ext>
+              </a:extLst>
+            </p:cNvPr>
+            <p:cNvSpPr txBox="1"/>
+            <p:nvPr/>
+          </p:nvSpPr>
+          <p:spPr>
+            <a:xfrm>
+              <a:off x="9651006" y="2463797"/>
+              <a:ext cx="475068" cy="215444"/>
+            </a:xfrm>
+            <a:prstGeom prst="rect">
+              <a:avLst/>
+            </a:prstGeom>
+            <a:noFill/>
+          </p:spPr>
+          <p:txBody>
+            <a:bodyPr wrap="square" rtlCol="0">
+              <a:spAutoFit/>
+            </a:bodyPr>
+            <a:lstStyle/>
+            <a:p>
+              <a:r>
+                <a:rPr lang="zh-TW" altLang="en-US" sz="800" dirty="0"/>
+                <a:t>是</a:t>
+              </a:r>
+            </a:p>
+          </p:txBody>
+        </p:sp>
+      </p:grpSp>
+      <p:grpSp>
+        <p:nvGrpSpPr>
+          <p:cNvPr id="113" name="群組 112">
+            <a:extLst>
+              <a:ext uri="{FF2B5EF4-FFF2-40B4-BE49-F238E27FC236}">
+                <a16:creationId xmlns:a16="http://schemas.microsoft.com/office/drawing/2014/main" id="{7282102C-F866-1A95-9314-29D701787D62}"/>
+              </a:ext>
+            </a:extLst>
+          </p:cNvPr>
+          <p:cNvGrpSpPr/>
+          <p:nvPr/>
+        </p:nvGrpSpPr>
+        <p:grpSpPr>
+          <a:xfrm>
+            <a:off x="2727960" y="950655"/>
+            <a:ext cx="7503533" cy="4168922"/>
+            <a:chOff x="2727960" y="950655"/>
+            <a:chExt cx="7503533" cy="4168922"/>
+          </a:xfrm>
+        </p:grpSpPr>
+        <p:sp>
+          <p:nvSpPr>
+            <p:cNvPr id="22" name="橢圓 21">
+              <a:extLst>
+                <a:ext uri="{FF2B5EF4-FFF2-40B4-BE49-F238E27FC236}">
+                  <a16:creationId xmlns:a16="http://schemas.microsoft.com/office/drawing/2014/main" id="{4F15810C-EADD-9CE5-8A24-930D0F4573F8}"/>
+                </a:ext>
+              </a:extLst>
+            </p:cNvPr>
+            <p:cNvSpPr/>
+            <p:nvPr/>
+          </p:nvSpPr>
+          <p:spPr>
+            <a:xfrm>
+              <a:off x="3062299" y="950655"/>
+              <a:ext cx="792000" cy="720000"/>
+            </a:xfrm>
+            <a:prstGeom prst="ellipse">
+              <a:avLst/>
+            </a:prstGeom>
+          </p:spPr>
+          <p:style>
+            <a:lnRef idx="2">
+              <a:schemeClr val="accent1">
+                <a:shade val="50000"/>
+              </a:schemeClr>
+            </a:lnRef>
+            <a:fillRef idx="1">
+              <a:schemeClr val="accent1"/>
+            </a:fillRef>
+            <a:effectRef idx="0">
+              <a:schemeClr val="accent1"/>
+            </a:effectRef>
+            <a:fontRef idx="minor">
+              <a:schemeClr val="lt1"/>
+            </a:fontRef>
+          </p:style>
+          <p:txBody>
+            <a:bodyPr rtlCol="0" anchor="ctr"/>
+            <a:lstStyle/>
+            <a:p>
+              <a:pPr algn="ctr"/>
+              <a:r>
+                <a:rPr lang="zh-TW" altLang="en-US" sz="800" dirty="0"/>
+                <a:t>提取開始</a:t>
+              </a:r>
+              <a:endParaRPr lang="en-US" altLang="zh-TW" sz="800" dirty="0"/>
+            </a:p>
+          </p:txBody>
+        </p:sp>
+        <p:sp>
+          <p:nvSpPr>
+            <p:cNvPr id="23" name="流程圖: 決策 22">
+              <a:extLst>
+                <a:ext uri="{FF2B5EF4-FFF2-40B4-BE49-F238E27FC236}">
+                  <a16:creationId xmlns:a16="http://schemas.microsoft.com/office/drawing/2014/main" id="{180084FF-A299-3D47-3425-A2D52AAC2E3D}"/>
+                </a:ext>
+              </a:extLst>
+            </p:cNvPr>
+            <p:cNvSpPr/>
+            <p:nvPr/>
+          </p:nvSpPr>
+          <p:spPr>
+            <a:xfrm>
+              <a:off x="3062299" y="1811104"/>
+              <a:ext cx="792000" cy="720000"/>
+            </a:xfrm>
+            <a:prstGeom prst="flowChartDecision">
+              <a:avLst/>
+            </a:prstGeom>
+          </p:spPr>
+          <p:style>
+            <a:lnRef idx="2">
+              <a:schemeClr val="accent1">
+                <a:shade val="50000"/>
+              </a:schemeClr>
+            </a:lnRef>
+            <a:fillRef idx="1">
+              <a:schemeClr val="accent1"/>
+            </a:fillRef>
+            <a:effectRef idx="0">
+              <a:schemeClr val="accent1"/>
+            </a:effectRef>
+            <a:fontRef idx="minor">
+              <a:schemeClr val="lt1"/>
+            </a:fontRef>
+          </p:style>
+          <p:txBody>
+            <a:bodyPr rtlCol="0" anchor="ctr"/>
+            <a:lstStyle/>
+            <a:p>
+              <a:pPr algn="ctr"/>
+              <a:r>
+                <a:rPr lang="zh-TW" altLang="en-US" sz="800" dirty="0"/>
+                <a:t>訊息陣列是否有內容</a:t>
+              </a:r>
+            </a:p>
+          </p:txBody>
+        </p:sp>
+        <p:cxnSp>
+          <p:nvCxnSpPr>
+            <p:cNvPr id="60" name="直線單箭頭接點 59">
+              <a:extLst>
+                <a:ext uri="{FF2B5EF4-FFF2-40B4-BE49-F238E27FC236}">
+                  <a16:creationId xmlns:a16="http://schemas.microsoft.com/office/drawing/2014/main" id="{902FF06D-57D8-9B06-2995-257A138D22F0}"/>
+                </a:ext>
+              </a:extLst>
+            </p:cNvPr>
+            <p:cNvCxnSpPr>
+              <a:cxnSpLocks/>
+              <a:stCxn id="22" idx="4"/>
+            </p:cNvCxnSpPr>
+            <p:nvPr/>
+          </p:nvCxnSpPr>
+          <p:spPr>
+            <a:xfrm>
+              <a:off x="3458299" y="1670655"/>
+              <a:ext cx="0" cy="140449"/>
+            </a:xfrm>
+            <a:prstGeom prst="straightConnector1">
+              <a:avLst/>
+            </a:prstGeom>
+            <a:ln>
+              <a:tailEnd type="triangle"/>
+            </a:ln>
+          </p:spPr>
+          <p:style>
+            <a:lnRef idx="1">
+              <a:schemeClr val="accent1"/>
+            </a:lnRef>
+            <a:fillRef idx="0">
+              <a:schemeClr val="accent1"/>
+            </a:fillRef>
+            <a:effectRef idx="0">
+              <a:schemeClr val="accent1"/>
+            </a:effectRef>
+            <a:fontRef idx="minor">
+              <a:schemeClr val="tx1"/>
+            </a:fontRef>
+          </p:style>
+        </p:cxnSp>
+        <p:cxnSp>
+          <p:nvCxnSpPr>
+            <p:cNvPr id="63" name="直線單箭頭接點 62">
+              <a:extLst>
+                <a:ext uri="{FF2B5EF4-FFF2-40B4-BE49-F238E27FC236}">
+                  <a16:creationId xmlns:a16="http://schemas.microsoft.com/office/drawing/2014/main" id="{2990F8C1-37D1-224B-A936-17BAAB8F3399}"/>
+                </a:ext>
+              </a:extLst>
+            </p:cNvPr>
+            <p:cNvCxnSpPr>
+              <a:cxnSpLocks/>
+              <a:endCxn id="81" idx="0"/>
+            </p:cNvCxnSpPr>
+            <p:nvPr/>
+          </p:nvCxnSpPr>
+          <p:spPr>
+            <a:xfrm>
+              <a:off x="3458299" y="2531104"/>
+              <a:ext cx="0" cy="148137"/>
+            </a:xfrm>
+            <a:prstGeom prst="straightConnector1">
+              <a:avLst/>
+            </a:prstGeom>
+            <a:ln>
+              <a:tailEnd type="triangle"/>
+            </a:ln>
+          </p:spPr>
+          <p:style>
+            <a:lnRef idx="1">
+              <a:schemeClr val="accent1"/>
+            </a:lnRef>
+            <a:fillRef idx="0">
+              <a:schemeClr val="accent1"/>
+            </a:fillRef>
+            <a:effectRef idx="0">
+              <a:schemeClr val="accent1"/>
+            </a:effectRef>
+            <a:fontRef idx="minor">
+              <a:schemeClr val="tx1"/>
+            </a:fontRef>
+          </p:style>
+        </p:cxnSp>
+        <p:sp>
+          <p:nvSpPr>
+            <p:cNvPr id="81" name="矩形 80">
+              <a:extLst>
+                <a:ext uri="{FF2B5EF4-FFF2-40B4-BE49-F238E27FC236}">
+                  <a16:creationId xmlns:a16="http://schemas.microsoft.com/office/drawing/2014/main" id="{404FAF15-494B-9B33-C2D7-5C4AF3875B7D}"/>
+                </a:ext>
+              </a:extLst>
+            </p:cNvPr>
+            <p:cNvSpPr/>
+            <p:nvPr/>
+          </p:nvSpPr>
+          <p:spPr>
+            <a:xfrm>
+              <a:off x="3062299" y="2679241"/>
+              <a:ext cx="792000" cy="720000"/>
+            </a:xfrm>
+            <a:prstGeom prst="rect">
+              <a:avLst/>
+            </a:prstGeom>
+          </p:spPr>
+          <p:style>
+            <a:lnRef idx="2">
+              <a:schemeClr val="accent1">
+                <a:shade val="50000"/>
+              </a:schemeClr>
+            </a:lnRef>
+            <a:fillRef idx="1">
+              <a:schemeClr val="accent1"/>
+            </a:fillRef>
+            <a:effectRef idx="0">
+              <a:schemeClr val="accent1"/>
+            </a:effectRef>
+            <a:fontRef idx="minor">
+              <a:schemeClr val="lt1"/>
+            </a:fontRef>
+          </p:style>
+          <p:txBody>
+            <a:bodyPr rtlCol="0" anchor="ctr"/>
+            <a:lstStyle/>
+            <a:p>
+              <a:pPr algn="ctr"/>
+              <a:r>
+                <a:rPr lang="zh-TW" altLang="en-US" sz="800" dirty="0"/>
+                <a:t>針對訊息做處理</a:t>
+              </a:r>
+            </a:p>
+          </p:txBody>
+        </p:sp>
+        <p:sp>
+          <p:nvSpPr>
+            <p:cNvPr id="86" name="菱形 85">
+              <a:extLst>
+                <a:ext uri="{FF2B5EF4-FFF2-40B4-BE49-F238E27FC236}">
+                  <a16:creationId xmlns:a16="http://schemas.microsoft.com/office/drawing/2014/main" id="{ABEAAA89-447F-47D6-0C6D-5955AA190C83}"/>
+                </a:ext>
+              </a:extLst>
+            </p:cNvPr>
+            <p:cNvSpPr/>
+            <p:nvPr/>
+          </p:nvSpPr>
+          <p:spPr>
+            <a:xfrm>
+              <a:off x="3062299" y="3544326"/>
+              <a:ext cx="792000" cy="720000"/>
+            </a:xfrm>
+            <a:prstGeom prst="diamond">
+              <a:avLst/>
+            </a:prstGeom>
+          </p:spPr>
+          <p:style>
+            <a:lnRef idx="2">
+              <a:schemeClr val="accent1">
+                <a:shade val="50000"/>
+              </a:schemeClr>
+            </a:lnRef>
+            <a:fillRef idx="1">
+              <a:schemeClr val="accent1"/>
+            </a:fillRef>
+            <a:effectRef idx="0">
+              <a:schemeClr val="accent1"/>
+            </a:effectRef>
+            <a:fontRef idx="minor">
+              <a:schemeClr val="lt1"/>
+            </a:fontRef>
+          </p:style>
+          <p:txBody>
+            <a:bodyPr rtlCol="0" anchor="ctr"/>
+            <a:lstStyle/>
+            <a:p>
+              <a:pPr algn="ctr"/>
+              <a:r>
+                <a:rPr lang="zh-TW" altLang="en-US" sz="800" dirty="0"/>
+                <a:t>主程式結束</a:t>
+              </a:r>
+            </a:p>
+          </p:txBody>
+        </p:sp>
+        <p:cxnSp>
+          <p:nvCxnSpPr>
+            <p:cNvPr id="87" name="直線單箭頭接點 86">
+              <a:extLst>
+                <a:ext uri="{FF2B5EF4-FFF2-40B4-BE49-F238E27FC236}">
+                  <a16:creationId xmlns:a16="http://schemas.microsoft.com/office/drawing/2014/main" id="{88326A59-7FBF-F7C7-47C7-2EC0ABB0A3A1}"/>
+                </a:ext>
+              </a:extLst>
+            </p:cNvPr>
+            <p:cNvCxnSpPr>
+              <a:cxnSpLocks/>
+              <a:stCxn id="81" idx="2"/>
+              <a:endCxn id="86" idx="0"/>
+            </p:cNvCxnSpPr>
+            <p:nvPr/>
+          </p:nvCxnSpPr>
+          <p:spPr>
+            <a:xfrm>
+              <a:off x="3458299" y="3399241"/>
+              <a:ext cx="0" cy="145085"/>
+            </a:xfrm>
+            <a:prstGeom prst="straightConnector1">
+              <a:avLst/>
+            </a:prstGeom>
+            <a:ln>
+              <a:tailEnd type="triangle"/>
+            </a:ln>
+          </p:spPr>
+          <p:style>
+            <a:lnRef idx="1">
+              <a:schemeClr val="accent1"/>
+            </a:lnRef>
+            <a:fillRef idx="0">
+              <a:schemeClr val="accent1"/>
+            </a:fillRef>
+            <a:effectRef idx="0">
+              <a:schemeClr val="accent1"/>
+            </a:effectRef>
+            <a:fontRef idx="minor">
+              <a:schemeClr val="tx1"/>
+            </a:fontRef>
+          </p:style>
+        </p:cxnSp>
+        <p:sp>
+          <p:nvSpPr>
+            <p:cNvPr id="90" name="橢圓 89">
+              <a:extLst>
+                <a:ext uri="{FF2B5EF4-FFF2-40B4-BE49-F238E27FC236}">
+                  <a16:creationId xmlns:a16="http://schemas.microsoft.com/office/drawing/2014/main" id="{F995A022-7430-863C-61BC-2ABBB80D88C7}"/>
+                </a:ext>
+              </a:extLst>
+            </p:cNvPr>
+            <p:cNvSpPr/>
+            <p:nvPr/>
+          </p:nvSpPr>
+          <p:spPr>
+            <a:xfrm>
+              <a:off x="3057875" y="4399577"/>
+              <a:ext cx="792000" cy="720000"/>
+            </a:xfrm>
+            <a:prstGeom prst="ellipse">
+              <a:avLst/>
+            </a:prstGeom>
+          </p:spPr>
+          <p:style>
+            <a:lnRef idx="2">
+              <a:schemeClr val="accent1">
+                <a:shade val="50000"/>
+              </a:schemeClr>
+            </a:lnRef>
+            <a:fillRef idx="1">
+              <a:schemeClr val="accent1"/>
+            </a:fillRef>
+            <a:effectRef idx="0">
+              <a:schemeClr val="accent1"/>
+            </a:effectRef>
+            <a:fontRef idx="minor">
+              <a:schemeClr val="lt1"/>
+            </a:fontRef>
+          </p:style>
+          <p:txBody>
+            <a:bodyPr rtlCol="0" anchor="ctr"/>
+            <a:lstStyle/>
+            <a:p>
+              <a:pPr algn="ctr"/>
+              <a:r>
+                <a:rPr lang="zh-TW" altLang="en-US" sz="800" dirty="0"/>
+                <a:t>結束</a:t>
+              </a:r>
+            </a:p>
+          </p:txBody>
+        </p:sp>
+        <p:cxnSp>
+          <p:nvCxnSpPr>
+            <p:cNvPr id="91" name="直線單箭頭接點 90">
+              <a:extLst>
+                <a:ext uri="{FF2B5EF4-FFF2-40B4-BE49-F238E27FC236}">
+                  <a16:creationId xmlns:a16="http://schemas.microsoft.com/office/drawing/2014/main" id="{C57D37B0-2F8C-62D7-67A0-7DBEE64D6D4F}"/>
+                </a:ext>
+              </a:extLst>
+            </p:cNvPr>
+            <p:cNvCxnSpPr>
+              <a:cxnSpLocks/>
+              <a:stCxn id="86" idx="2"/>
+              <a:endCxn id="90" idx="0"/>
+            </p:cNvCxnSpPr>
+            <p:nvPr/>
+          </p:nvCxnSpPr>
+          <p:spPr>
+            <a:xfrm flipH="1">
+              <a:off x="3453875" y="4264326"/>
+              <a:ext cx="4424" cy="135251"/>
+            </a:xfrm>
+            <a:prstGeom prst="straightConnector1">
+              <a:avLst/>
+            </a:prstGeom>
+            <a:ln>
+              <a:tailEnd type="triangle"/>
+            </a:ln>
+          </p:spPr>
+          <p:style>
+            <a:lnRef idx="1">
+              <a:schemeClr val="accent1"/>
+            </a:lnRef>
+            <a:fillRef idx="0">
+              <a:schemeClr val="accent1"/>
+            </a:fillRef>
+            <a:effectRef idx="0">
+              <a:schemeClr val="accent1"/>
+            </a:effectRef>
+            <a:fontRef idx="minor">
+              <a:schemeClr val="tx1"/>
+            </a:fontRef>
+          </p:style>
+        </p:cxnSp>
+        <p:cxnSp>
+          <p:nvCxnSpPr>
+            <p:cNvPr id="94" name="直線單箭頭接點 93">
+              <a:extLst>
+                <a:ext uri="{FF2B5EF4-FFF2-40B4-BE49-F238E27FC236}">
+                  <a16:creationId xmlns:a16="http://schemas.microsoft.com/office/drawing/2014/main" id="{75A79943-E3CD-7FF9-B2FE-B83E8E09C722}"/>
+                </a:ext>
+              </a:extLst>
+            </p:cNvPr>
+            <p:cNvCxnSpPr>
+              <a:cxnSpLocks/>
+              <a:endCxn id="86" idx="1"/>
+            </p:cNvCxnSpPr>
+            <p:nvPr/>
+          </p:nvCxnSpPr>
+          <p:spPr>
+            <a:xfrm>
+              <a:off x="2727960" y="3904326"/>
+              <a:ext cx="334339" cy="0"/>
+            </a:xfrm>
+            <a:prstGeom prst="straightConnector1">
+              <a:avLst/>
+            </a:prstGeom>
+            <a:ln>
+              <a:tailEnd type="triangle"/>
+            </a:ln>
+          </p:spPr>
+          <p:style>
+            <a:lnRef idx="1">
+              <a:schemeClr val="accent1"/>
+            </a:lnRef>
+            <a:fillRef idx="0">
+              <a:schemeClr val="accent1"/>
+            </a:fillRef>
+            <a:effectRef idx="0">
+              <a:schemeClr val="accent1"/>
+            </a:effectRef>
+            <a:fontRef idx="minor">
+              <a:schemeClr val="tx1"/>
+            </a:fontRef>
+          </p:style>
+        </p:cxnSp>
+        <p:cxnSp>
+          <p:nvCxnSpPr>
+            <p:cNvPr id="96" name="直線接點 95">
+              <a:extLst>
+                <a:ext uri="{FF2B5EF4-FFF2-40B4-BE49-F238E27FC236}">
+                  <a16:creationId xmlns:a16="http://schemas.microsoft.com/office/drawing/2014/main" id="{25DBF58E-87B0-F377-C3BB-18DF4DF6A7F1}"/>
+                </a:ext>
+              </a:extLst>
+            </p:cNvPr>
+            <p:cNvCxnSpPr>
+              <a:cxnSpLocks/>
+            </p:cNvCxnSpPr>
+            <p:nvPr/>
+          </p:nvCxnSpPr>
+          <p:spPr>
+            <a:xfrm>
+              <a:off x="2727960" y="2168910"/>
+              <a:ext cx="329915" cy="0"/>
+            </a:xfrm>
+            <a:prstGeom prst="line">
+              <a:avLst/>
+            </a:prstGeom>
+          </p:spPr>
+          <p:style>
+            <a:lnRef idx="1">
+              <a:schemeClr val="accent1"/>
+            </a:lnRef>
+            <a:fillRef idx="0">
+              <a:schemeClr val="accent1"/>
+            </a:fillRef>
+            <a:effectRef idx="0">
+              <a:schemeClr val="accent1"/>
+            </a:effectRef>
+            <a:fontRef idx="minor">
+              <a:schemeClr val="tx1"/>
+            </a:fontRef>
+          </p:style>
+        </p:cxnSp>
+        <p:sp>
+          <p:nvSpPr>
+            <p:cNvPr id="104" name="文字方塊 103">
+              <a:extLst>
+                <a:ext uri="{FF2B5EF4-FFF2-40B4-BE49-F238E27FC236}">
+                  <a16:creationId xmlns:a16="http://schemas.microsoft.com/office/drawing/2014/main" id="{DCB34B38-91F3-D0CF-CF29-746897F13A12}"/>
+                </a:ext>
+              </a:extLst>
+            </p:cNvPr>
+            <p:cNvSpPr txBox="1"/>
+            <p:nvPr/>
+          </p:nvSpPr>
+          <p:spPr>
+            <a:xfrm>
+              <a:off x="3436897" y="2475612"/>
+              <a:ext cx="475068" cy="215444"/>
+            </a:xfrm>
+            <a:prstGeom prst="rect">
+              <a:avLst/>
+            </a:prstGeom>
+            <a:noFill/>
+          </p:spPr>
+          <p:txBody>
+            <a:bodyPr wrap="square" rtlCol="0">
+              <a:spAutoFit/>
+            </a:bodyPr>
+            <a:lstStyle/>
+            <a:p>
+              <a:r>
+                <a:rPr lang="zh-TW" altLang="en-US" sz="800" dirty="0"/>
+                <a:t>是</a:t>
+              </a:r>
+            </a:p>
+          </p:txBody>
+        </p:sp>
+        <p:sp>
+          <p:nvSpPr>
+            <p:cNvPr id="105" name="文字方塊 104">
+              <a:extLst>
+                <a:ext uri="{FF2B5EF4-FFF2-40B4-BE49-F238E27FC236}">
+                  <a16:creationId xmlns:a16="http://schemas.microsoft.com/office/drawing/2014/main" id="{DBD4EE80-8224-330F-F67F-626717C1C65B}"/>
+                </a:ext>
+              </a:extLst>
+            </p:cNvPr>
+            <p:cNvSpPr txBox="1"/>
+            <p:nvPr/>
+          </p:nvSpPr>
+          <p:spPr>
+            <a:xfrm>
+              <a:off x="2747764" y="1959768"/>
+              <a:ext cx="475068" cy="215444"/>
+            </a:xfrm>
+            <a:prstGeom prst="rect">
+              <a:avLst/>
+            </a:prstGeom>
+            <a:noFill/>
+          </p:spPr>
+          <p:txBody>
+            <a:bodyPr wrap="square" rtlCol="0">
+              <a:spAutoFit/>
+            </a:bodyPr>
+            <a:lstStyle/>
+            <a:p>
+              <a:r>
+                <a:rPr lang="zh-TW" altLang="en-US" sz="800" dirty="0"/>
+                <a:t>否</a:t>
+              </a:r>
+            </a:p>
+          </p:txBody>
+        </p:sp>
+        <p:sp>
+          <p:nvSpPr>
+            <p:cNvPr id="106" name="文字方塊 105">
+              <a:extLst>
+                <a:ext uri="{FF2B5EF4-FFF2-40B4-BE49-F238E27FC236}">
+                  <a16:creationId xmlns:a16="http://schemas.microsoft.com/office/drawing/2014/main" id="{8C697BD7-5F5C-D63E-221B-2B3056A3244B}"/>
+                </a:ext>
+              </a:extLst>
+            </p:cNvPr>
+            <p:cNvSpPr txBox="1"/>
+            <p:nvPr/>
+          </p:nvSpPr>
+          <p:spPr>
+            <a:xfrm>
+              <a:off x="3198920" y="4199210"/>
+              <a:ext cx="475068" cy="215444"/>
+            </a:xfrm>
+            <a:prstGeom prst="rect">
+              <a:avLst/>
+            </a:prstGeom>
+            <a:noFill/>
+          </p:spPr>
+          <p:txBody>
+            <a:bodyPr wrap="square" rtlCol="0">
+              <a:spAutoFit/>
+            </a:bodyPr>
+            <a:lstStyle/>
+            <a:p>
+              <a:r>
+                <a:rPr lang="zh-TW" altLang="en-US" sz="800" dirty="0"/>
+                <a:t>是</a:t>
+              </a:r>
+            </a:p>
+          </p:txBody>
+        </p:sp>
+        <p:grpSp>
+          <p:nvGrpSpPr>
+            <p:cNvPr id="110" name="群組 109">
+              <a:extLst>
+                <a:ext uri="{FF2B5EF4-FFF2-40B4-BE49-F238E27FC236}">
+                  <a16:creationId xmlns:a16="http://schemas.microsoft.com/office/drawing/2014/main" id="{BDA9D665-C82A-8BD5-68D4-6CD34B4F71CC}"/>
+                </a:ext>
+              </a:extLst>
+            </p:cNvPr>
+            <p:cNvGrpSpPr/>
+            <p:nvPr/>
+          </p:nvGrpSpPr>
+          <p:grpSpPr>
+            <a:xfrm rot="10800000">
+              <a:off x="3861797" y="2168910"/>
+              <a:ext cx="334339" cy="1735416"/>
+              <a:chOff x="4136136" y="2189494"/>
+              <a:chExt cx="334339" cy="1735416"/>
+            </a:xfrm>
+          </p:grpSpPr>
+          <p:cxnSp>
+            <p:nvCxnSpPr>
+              <p:cNvPr id="107" name="直線單箭頭接點 106">
+                <a:extLst>
+                  <a:ext uri="{FF2B5EF4-FFF2-40B4-BE49-F238E27FC236}">
+                    <a16:creationId xmlns:a16="http://schemas.microsoft.com/office/drawing/2014/main" id="{4A53B410-3403-5CC9-C998-835020BB1803}"/>
+                  </a:ext>
+                </a:extLst>
+              </p:cNvPr>
+              <p:cNvCxnSpPr>
+                <a:cxnSpLocks/>
+              </p:cNvCxnSpPr>
+              <p:nvPr/>
+            </p:nvCxnSpPr>
+            <p:spPr>
+              <a:xfrm>
+                <a:off x="4136136" y="3924910"/>
+                <a:ext cx="334339" cy="0"/>
+              </a:xfrm>
+              <a:prstGeom prst="straightConnector1">
+                <a:avLst/>
+              </a:prstGeom>
+              <a:ln>
+                <a:tailEnd type="triangle"/>
+              </a:ln>
+            </p:spPr>
+            <p:style>
+              <a:lnRef idx="1">
+                <a:schemeClr val="accent1"/>
+              </a:lnRef>
+              <a:fillRef idx="0">
+                <a:schemeClr val="accent1"/>
+              </a:fillRef>
+              <a:effectRef idx="0">
+                <a:schemeClr val="accent1"/>
+              </a:effectRef>
+              <a:fontRef idx="minor">
+                <a:schemeClr val="tx1"/>
+              </a:fontRef>
+            </p:style>
+          </p:cxnSp>
+          <p:cxnSp>
+            <p:nvCxnSpPr>
+              <p:cNvPr id="108" name="直線接點 107">
+                <a:extLst>
+                  <a:ext uri="{FF2B5EF4-FFF2-40B4-BE49-F238E27FC236}">
+                    <a16:creationId xmlns:a16="http://schemas.microsoft.com/office/drawing/2014/main" id="{8CD0EE38-38AB-9CB6-DD9E-4252308FB796}"/>
+                  </a:ext>
+                </a:extLst>
+              </p:cNvPr>
+              <p:cNvCxnSpPr>
+                <a:cxnSpLocks/>
+              </p:cNvCxnSpPr>
+              <p:nvPr/>
+            </p:nvCxnSpPr>
+            <p:spPr>
+              <a:xfrm>
+                <a:off x="4136136" y="2189494"/>
+                <a:ext cx="329915" cy="0"/>
+              </a:xfrm>
+              <a:prstGeom prst="line">
+                <a:avLst/>
+              </a:prstGeom>
+            </p:spPr>
+            <p:style>
+              <a:lnRef idx="1">
+                <a:schemeClr val="accent1"/>
+              </a:lnRef>
+              <a:fillRef idx="0">
+                <a:schemeClr val="accent1"/>
+              </a:fillRef>
+              <a:effectRef idx="0">
+                <a:schemeClr val="accent1"/>
+              </a:effectRef>
+              <a:fontRef idx="minor">
+                <a:schemeClr val="tx1"/>
+              </a:fontRef>
+            </p:style>
+          </p:cxnSp>
+          <p:cxnSp>
+            <p:nvCxnSpPr>
+              <p:cNvPr id="109" name="直線接點 108">
+                <a:extLst>
+                  <a:ext uri="{FF2B5EF4-FFF2-40B4-BE49-F238E27FC236}">
+                    <a16:creationId xmlns:a16="http://schemas.microsoft.com/office/drawing/2014/main" id="{2F143A66-90BC-4B0A-03D7-AB32800BAA04}"/>
+                  </a:ext>
+                </a:extLst>
+              </p:cNvPr>
+              <p:cNvCxnSpPr>
+                <a:cxnSpLocks/>
+              </p:cNvCxnSpPr>
+              <p:nvPr/>
+            </p:nvCxnSpPr>
+            <p:spPr>
+              <a:xfrm flipV="1">
+                <a:off x="4136136" y="2189494"/>
+                <a:ext cx="0" cy="1735416"/>
+              </a:xfrm>
+              <a:prstGeom prst="line">
+                <a:avLst/>
+              </a:prstGeom>
+            </p:spPr>
+            <p:style>
+              <a:lnRef idx="1">
+                <a:schemeClr val="accent1"/>
+              </a:lnRef>
+              <a:fillRef idx="0">
+                <a:schemeClr val="accent1"/>
+              </a:fillRef>
+              <a:effectRef idx="0">
+                <a:schemeClr val="accent1"/>
+              </a:effectRef>
+              <a:fontRef idx="minor">
+                <a:schemeClr val="tx1"/>
+              </a:fontRef>
+            </p:style>
+          </p:cxnSp>
+        </p:grpSp>
+        <p:cxnSp>
+          <p:nvCxnSpPr>
+            <p:cNvPr id="134" name="直線單箭頭接點 133">
+              <a:extLst>
+                <a:ext uri="{FF2B5EF4-FFF2-40B4-BE49-F238E27FC236}">
+                  <a16:creationId xmlns:a16="http://schemas.microsoft.com/office/drawing/2014/main" id="{42200B00-0257-E380-2A45-08A2BBEA38D1}"/>
+                </a:ext>
+              </a:extLst>
+            </p:cNvPr>
+            <p:cNvCxnSpPr>
+              <a:cxnSpLocks/>
+              <a:stCxn id="25" idx="4"/>
+              <a:endCxn id="6" idx="0"/>
+            </p:cNvCxnSpPr>
+            <p:nvPr/>
+          </p:nvCxnSpPr>
+          <p:spPr>
+            <a:xfrm>
+              <a:off x="5421116" y="1653222"/>
+              <a:ext cx="0" cy="161990"/>
+            </a:xfrm>
+            <a:prstGeom prst="straightConnector1">
+              <a:avLst/>
+            </a:prstGeom>
+            <a:ln>
+              <a:tailEnd type="triangle"/>
+            </a:ln>
+          </p:spPr>
+          <p:style>
+            <a:lnRef idx="1">
+              <a:schemeClr val="accent1"/>
+            </a:lnRef>
+            <a:fillRef idx="0">
+              <a:schemeClr val="accent1"/>
+            </a:fillRef>
+            <a:effectRef idx="0">
+              <a:schemeClr val="accent1"/>
+            </a:effectRef>
+            <a:fontRef idx="minor">
+              <a:schemeClr val="tx1"/>
+            </a:fontRef>
+          </p:style>
+        </p:cxnSp>
+        <p:cxnSp>
+          <p:nvCxnSpPr>
+            <p:cNvPr id="137" name="直線單箭頭接點 136">
+              <a:extLst>
+                <a:ext uri="{FF2B5EF4-FFF2-40B4-BE49-F238E27FC236}">
+                  <a16:creationId xmlns:a16="http://schemas.microsoft.com/office/drawing/2014/main" id="{77EEEB56-70B7-3B8C-F1A3-663771A74A76}"/>
+                </a:ext>
+              </a:extLst>
+            </p:cNvPr>
+            <p:cNvCxnSpPr>
+              <a:cxnSpLocks/>
+              <a:stCxn id="18" idx="3"/>
+              <a:endCxn id="20" idx="1"/>
+            </p:cNvCxnSpPr>
+            <p:nvPr/>
+          </p:nvCxnSpPr>
+          <p:spPr>
+            <a:xfrm>
+              <a:off x="10047006" y="2171104"/>
+              <a:ext cx="184487" cy="0"/>
+            </a:xfrm>
+            <a:prstGeom prst="straightConnector1">
+              <a:avLst/>
+            </a:prstGeom>
+            <a:ln>
+              <a:tailEnd type="triangle"/>
+            </a:ln>
+          </p:spPr>
+          <p:style>
+            <a:lnRef idx="1">
+              <a:schemeClr val="accent1"/>
+            </a:lnRef>
+            <a:fillRef idx="0">
+              <a:schemeClr val="accent1"/>
+            </a:fillRef>
+            <a:effectRef idx="0">
+              <a:schemeClr val="accent1"/>
+            </a:effectRef>
+            <a:fontRef idx="minor">
+              <a:schemeClr val="tx1"/>
+            </a:fontRef>
+          </p:style>
+        </p:cxnSp>
+        <p:cxnSp>
+          <p:nvCxnSpPr>
+            <p:cNvPr id="138" name="直線單箭頭接點 137">
+              <a:extLst>
+                <a:ext uri="{FF2B5EF4-FFF2-40B4-BE49-F238E27FC236}">
+                  <a16:creationId xmlns:a16="http://schemas.microsoft.com/office/drawing/2014/main" id="{F0F25B4D-B4A9-36DF-539E-12554706DDB3}"/>
+                </a:ext>
+              </a:extLst>
+            </p:cNvPr>
+            <p:cNvCxnSpPr>
+              <a:cxnSpLocks/>
+            </p:cNvCxnSpPr>
+            <p:nvPr/>
+          </p:nvCxnSpPr>
+          <p:spPr>
+            <a:xfrm>
+              <a:off x="5421116" y="3417202"/>
+              <a:ext cx="0" cy="161990"/>
+            </a:xfrm>
+            <a:prstGeom prst="straightConnector1">
+              <a:avLst/>
+            </a:prstGeom>
+            <a:ln>
+              <a:tailEnd type="triangle"/>
+            </a:ln>
+          </p:spPr>
+          <p:style>
+            <a:lnRef idx="1">
+              <a:schemeClr val="accent1"/>
+            </a:lnRef>
+            <a:fillRef idx="0">
+              <a:schemeClr val="accent1"/>
+            </a:fillRef>
+            <a:effectRef idx="0">
+              <a:schemeClr val="accent1"/>
+            </a:effectRef>
+            <a:fontRef idx="minor">
+              <a:schemeClr val="tx1"/>
+            </a:fontRef>
+          </p:style>
+        </p:cxnSp>
+        <p:cxnSp>
+          <p:nvCxnSpPr>
+            <p:cNvPr id="143" name="直線單箭頭接點 142">
+              <a:extLst>
+                <a:ext uri="{FF2B5EF4-FFF2-40B4-BE49-F238E27FC236}">
+                  <a16:creationId xmlns:a16="http://schemas.microsoft.com/office/drawing/2014/main" id="{B329D479-2BB1-8A54-CD5F-07B87904A865}"/>
+                </a:ext>
+              </a:extLst>
+            </p:cNvPr>
+            <p:cNvCxnSpPr>
+              <a:cxnSpLocks/>
+            </p:cNvCxnSpPr>
+            <p:nvPr/>
+          </p:nvCxnSpPr>
+          <p:spPr>
+            <a:xfrm>
+              <a:off x="6940024" y="1642138"/>
+              <a:ext cx="0" cy="161990"/>
+            </a:xfrm>
+            <a:prstGeom prst="straightConnector1">
+              <a:avLst/>
+            </a:prstGeom>
+            <a:ln>
+              <a:tailEnd type="triangle"/>
+            </a:ln>
+          </p:spPr>
+          <p:style>
+            <a:lnRef idx="1">
+              <a:schemeClr val="accent1"/>
+            </a:lnRef>
+            <a:fillRef idx="0">
+              <a:schemeClr val="accent1"/>
+            </a:fillRef>
+            <a:effectRef idx="0">
+              <a:schemeClr val="accent1"/>
+            </a:effectRef>
+            <a:fontRef idx="minor">
+              <a:schemeClr val="tx1"/>
+            </a:fontRef>
+          </p:style>
+        </p:cxnSp>
+        <p:cxnSp>
+          <p:nvCxnSpPr>
+            <p:cNvPr id="144" name="直線單箭頭接點 143">
+              <a:extLst>
+                <a:ext uri="{FF2B5EF4-FFF2-40B4-BE49-F238E27FC236}">
+                  <a16:creationId xmlns:a16="http://schemas.microsoft.com/office/drawing/2014/main" id="{7BF38199-05B2-E7F3-BE8C-A4BC059CA557}"/>
+                </a:ext>
+              </a:extLst>
+            </p:cNvPr>
+            <p:cNvCxnSpPr>
+              <a:cxnSpLocks/>
+            </p:cNvCxnSpPr>
+            <p:nvPr/>
+          </p:nvCxnSpPr>
+          <p:spPr>
+            <a:xfrm>
+              <a:off x="6924028" y="2518438"/>
+              <a:ext cx="0" cy="161990"/>
+            </a:xfrm>
+            <a:prstGeom prst="straightConnector1">
+              <a:avLst/>
+            </a:prstGeom>
+            <a:ln>
+              <a:tailEnd type="triangle"/>
+            </a:ln>
+          </p:spPr>
+          <p:style>
+            <a:lnRef idx="1">
+              <a:schemeClr val="accent1"/>
+            </a:lnRef>
+            <a:fillRef idx="0">
+              <a:schemeClr val="accent1"/>
+            </a:fillRef>
+            <a:effectRef idx="0">
+              <a:schemeClr val="accent1"/>
+            </a:effectRef>
+            <a:fontRef idx="minor">
+              <a:schemeClr val="tx1"/>
+            </a:fontRef>
+          </p:style>
+        </p:cxnSp>
+        <p:cxnSp>
+          <p:nvCxnSpPr>
+            <p:cNvPr id="145" name="直線單箭頭接點 144">
+              <a:extLst>
+                <a:ext uri="{FF2B5EF4-FFF2-40B4-BE49-F238E27FC236}">
+                  <a16:creationId xmlns:a16="http://schemas.microsoft.com/office/drawing/2014/main" id="{AF98200B-724E-F26E-DAAA-02259C1D9F33}"/>
+                </a:ext>
+              </a:extLst>
+            </p:cNvPr>
+            <p:cNvCxnSpPr>
+              <a:cxnSpLocks/>
+              <a:endCxn id="10" idx="0"/>
+            </p:cNvCxnSpPr>
+            <p:nvPr/>
+          </p:nvCxnSpPr>
+          <p:spPr>
+            <a:xfrm>
+              <a:off x="6924016" y="3388157"/>
+              <a:ext cx="3328" cy="179951"/>
+            </a:xfrm>
+            <a:prstGeom prst="straightConnector1">
+              <a:avLst/>
+            </a:prstGeom>
+            <a:ln>
+              <a:tailEnd type="triangle"/>
+            </a:ln>
+          </p:spPr>
+          <p:style>
+            <a:lnRef idx="1">
+              <a:schemeClr val="accent1"/>
+            </a:lnRef>
+            <a:fillRef idx="0">
+              <a:schemeClr val="accent1"/>
+            </a:fillRef>
+            <a:effectRef idx="0">
+              <a:schemeClr val="accent1"/>
+            </a:effectRef>
+            <a:fontRef idx="minor">
+              <a:schemeClr val="tx1"/>
+            </a:fontRef>
+          </p:style>
+        </p:cxnSp>
+        <p:cxnSp>
+          <p:nvCxnSpPr>
+            <p:cNvPr id="146" name="直線單箭頭接點 145">
+              <a:extLst>
+                <a:ext uri="{FF2B5EF4-FFF2-40B4-BE49-F238E27FC236}">
+                  <a16:creationId xmlns:a16="http://schemas.microsoft.com/office/drawing/2014/main" id="{B078406B-41C1-856E-A0D9-B3468CA3FA5F}"/>
+                </a:ext>
+              </a:extLst>
+            </p:cNvPr>
+            <p:cNvCxnSpPr>
+              <a:cxnSpLocks/>
+              <a:stCxn id="10" idx="2"/>
+              <a:endCxn id="11" idx="0"/>
+            </p:cNvCxnSpPr>
+            <p:nvPr/>
+          </p:nvCxnSpPr>
+          <p:spPr>
+            <a:xfrm>
+              <a:off x="6927344" y="4288108"/>
+              <a:ext cx="0" cy="265332"/>
+            </a:xfrm>
+            <a:prstGeom prst="straightConnector1">
+              <a:avLst/>
+            </a:prstGeom>
+            <a:ln>
+              <a:tailEnd type="triangle"/>
+            </a:ln>
+          </p:spPr>
+          <p:style>
+            <a:lnRef idx="1">
+              <a:schemeClr val="accent1"/>
+            </a:lnRef>
+            <a:fillRef idx="0">
+              <a:schemeClr val="accent1"/>
+            </a:fillRef>
+            <a:effectRef idx="0">
+              <a:schemeClr val="accent1"/>
+            </a:effectRef>
+            <a:fontRef idx="minor">
+              <a:schemeClr val="tx1"/>
+            </a:fontRef>
+          </p:style>
+        </p:cxnSp>
+        <p:cxnSp>
+          <p:nvCxnSpPr>
+            <p:cNvPr id="158" name="直線單箭頭接點 157">
+              <a:extLst>
+                <a:ext uri="{FF2B5EF4-FFF2-40B4-BE49-F238E27FC236}">
+                  <a16:creationId xmlns:a16="http://schemas.microsoft.com/office/drawing/2014/main" id="{8451CA4D-8A8A-D4E2-41D2-FFF769E9DC20}"/>
+                </a:ext>
+              </a:extLst>
+            </p:cNvPr>
+            <p:cNvCxnSpPr>
+              <a:cxnSpLocks/>
+              <a:stCxn id="28" idx="2"/>
+              <a:endCxn id="29" idx="0"/>
+            </p:cNvCxnSpPr>
+            <p:nvPr/>
+          </p:nvCxnSpPr>
+          <p:spPr>
+            <a:xfrm>
+              <a:off x="8278519" y="2524128"/>
+              <a:ext cx="0" cy="144029"/>
+            </a:xfrm>
+            <a:prstGeom prst="straightConnector1">
+              <a:avLst/>
+            </a:prstGeom>
+            <a:ln>
+              <a:tailEnd type="triangle"/>
+            </a:ln>
+          </p:spPr>
+          <p:style>
+            <a:lnRef idx="1">
+              <a:schemeClr val="accent1"/>
+            </a:lnRef>
+            <a:fillRef idx="0">
+              <a:schemeClr val="accent1"/>
+            </a:fillRef>
+            <a:effectRef idx="0">
+              <a:schemeClr val="accent1"/>
+            </a:effectRef>
+            <a:fontRef idx="minor">
+              <a:schemeClr val="tx1"/>
+            </a:fontRef>
+          </p:style>
+        </p:cxnSp>
+        <p:cxnSp>
+          <p:nvCxnSpPr>
+            <p:cNvPr id="180" name="直線單箭頭接點 179">
+              <a:extLst>
+                <a:ext uri="{FF2B5EF4-FFF2-40B4-BE49-F238E27FC236}">
+                  <a16:creationId xmlns:a16="http://schemas.microsoft.com/office/drawing/2014/main" id="{8A04BEC1-0F07-022B-BF19-BF804428EA18}"/>
+                </a:ext>
+              </a:extLst>
+            </p:cNvPr>
+            <p:cNvCxnSpPr>
+              <a:cxnSpLocks/>
+              <a:stCxn id="17" idx="4"/>
+              <a:endCxn id="18" idx="0"/>
+            </p:cNvCxnSpPr>
+            <p:nvPr/>
+          </p:nvCxnSpPr>
+          <p:spPr>
+            <a:xfrm>
+              <a:off x="9651006" y="1682563"/>
+              <a:ext cx="0" cy="128541"/>
+            </a:xfrm>
+            <a:prstGeom prst="straightConnector1">
+              <a:avLst/>
+            </a:prstGeom>
+            <a:ln>
+              <a:tailEnd type="triangle"/>
+            </a:ln>
+          </p:spPr>
+          <p:style>
+            <a:lnRef idx="1">
+              <a:schemeClr val="accent1"/>
+            </a:lnRef>
+            <a:fillRef idx="0">
+              <a:schemeClr val="accent1"/>
+            </a:fillRef>
+            <a:effectRef idx="0">
+              <a:schemeClr val="accent1"/>
+            </a:effectRef>
+            <a:fontRef idx="minor">
+              <a:schemeClr val="tx1"/>
+            </a:fontRef>
+          </p:style>
+        </p:cxnSp>
+        <p:cxnSp>
+          <p:nvCxnSpPr>
+            <p:cNvPr id="183" name="直線單箭頭接點 182">
+              <a:extLst>
+                <a:ext uri="{FF2B5EF4-FFF2-40B4-BE49-F238E27FC236}">
+                  <a16:creationId xmlns:a16="http://schemas.microsoft.com/office/drawing/2014/main" id="{F51F5264-B5F2-100D-6ECF-73A6648ED5E0}"/>
+                </a:ext>
+              </a:extLst>
+            </p:cNvPr>
+            <p:cNvCxnSpPr>
+              <a:cxnSpLocks/>
+              <a:stCxn id="18" idx="2"/>
+              <a:endCxn id="21" idx="0"/>
+            </p:cNvCxnSpPr>
+            <p:nvPr/>
+          </p:nvCxnSpPr>
+          <p:spPr>
+            <a:xfrm>
+              <a:off x="9651006" y="2531104"/>
+              <a:ext cx="0" cy="101560"/>
+            </a:xfrm>
+            <a:prstGeom prst="straightConnector1">
+              <a:avLst/>
+            </a:prstGeom>
+            <a:ln>
+              <a:tailEnd type="triangle"/>
+            </a:ln>
+          </p:spPr>
+          <p:style>
+            <a:lnRef idx="1">
+              <a:schemeClr val="accent1"/>
+            </a:lnRef>
+            <a:fillRef idx="0">
+              <a:schemeClr val="accent1"/>
+            </a:fillRef>
+            <a:effectRef idx="0">
+              <a:schemeClr val="accent1"/>
+            </a:effectRef>
+            <a:fontRef idx="minor">
+              <a:schemeClr val="tx1"/>
+            </a:fontRef>
+          </p:style>
+        </p:cxnSp>
+        <p:sp>
+          <p:nvSpPr>
+            <p:cNvPr id="186" name="文字方塊 185">
+              <a:extLst>
+                <a:ext uri="{FF2B5EF4-FFF2-40B4-BE49-F238E27FC236}">
+                  <a16:creationId xmlns:a16="http://schemas.microsoft.com/office/drawing/2014/main" id="{49D13731-D32B-42E2-2B76-1D42D3AE5A1A}"/>
+                </a:ext>
+              </a:extLst>
+            </p:cNvPr>
+            <p:cNvSpPr txBox="1"/>
+            <p:nvPr/>
+          </p:nvSpPr>
+          <p:spPr>
+            <a:xfrm>
+              <a:off x="8331229" y="2463797"/>
+              <a:ext cx="475068" cy="215444"/>
+            </a:xfrm>
+            <a:prstGeom prst="rect">
+              <a:avLst/>
+            </a:prstGeom>
+            <a:noFill/>
+          </p:spPr>
+          <p:txBody>
+            <a:bodyPr wrap="square" rtlCol="0">
+              <a:spAutoFit/>
+            </a:bodyPr>
+            <a:lstStyle/>
+            <a:p>
+              <a:r>
+                <a:rPr lang="zh-TW" altLang="en-US" sz="800" dirty="0"/>
+                <a:t>是</a:t>
+              </a:r>
+            </a:p>
+          </p:txBody>
+        </p:sp>
+        <p:cxnSp>
+          <p:nvCxnSpPr>
+            <p:cNvPr id="195" name="直線單箭頭接點 194">
+              <a:extLst>
+                <a:ext uri="{FF2B5EF4-FFF2-40B4-BE49-F238E27FC236}">
+                  <a16:creationId xmlns:a16="http://schemas.microsoft.com/office/drawing/2014/main" id="{A119842E-B5F6-B055-0BDD-E2D60C203AEA}"/>
+                </a:ext>
+              </a:extLst>
+            </p:cNvPr>
+            <p:cNvCxnSpPr>
+              <a:cxnSpLocks/>
+              <a:stCxn id="6" idx="2"/>
+              <a:endCxn id="27" idx="0"/>
+            </p:cNvCxnSpPr>
+            <p:nvPr/>
+          </p:nvCxnSpPr>
+          <p:spPr>
+            <a:xfrm>
+              <a:off x="5421116" y="2535212"/>
+              <a:ext cx="2540" cy="161990"/>
+            </a:xfrm>
+            <a:prstGeom prst="straightConnector1">
+              <a:avLst/>
+            </a:prstGeom>
+            <a:ln>
+              <a:tailEnd type="triangle"/>
+            </a:ln>
+          </p:spPr>
+          <p:style>
+            <a:lnRef idx="1">
+              <a:schemeClr val="accent1"/>
+            </a:lnRef>
+            <a:fillRef idx="0">
+              <a:schemeClr val="accent1"/>
+            </a:fillRef>
+            <a:effectRef idx="0">
+              <a:schemeClr val="accent1"/>
+            </a:effectRef>
+            <a:fontRef idx="minor">
+              <a:schemeClr val="tx1"/>
+            </a:fontRef>
+          </p:style>
+        </p:cxnSp>
+      </p:grpSp>
+      <p:sp>
+        <p:nvSpPr>
+          <p:cNvPr id="111" name="文字方塊 110">
+            <a:extLst>
+              <a:ext uri="{FF2B5EF4-FFF2-40B4-BE49-F238E27FC236}">
+                <a16:creationId xmlns:a16="http://schemas.microsoft.com/office/drawing/2014/main" id="{5BFA994B-F4EB-2552-E6F7-ECCC551D7C95}"/>
+              </a:ext>
+            </a:extLst>
+          </p:cNvPr>
+          <p:cNvSpPr txBox="1"/>
+          <p:nvPr/>
+        </p:nvSpPr>
+        <p:spPr>
+          <a:xfrm>
+            <a:off x="3848549" y="3928108"/>
+            <a:ext cx="475068" cy="215444"/>
+          </a:xfrm>
+          <a:prstGeom prst="rect">
+            <a:avLst/>
+          </a:prstGeom>
+          <a:noFill/>
+        </p:spPr>
+        <p:txBody>
+          <a:bodyPr wrap="square" rtlCol="0">
+            <a:spAutoFit/>
+          </a:bodyPr>
+          <a:lstStyle/>
+          <a:p>
             <a:r>
               <a:rPr lang="zh-TW" altLang="en-US" sz="800" dirty="0"/>
-              <a:t>主動連線</a:t>
-            </a:r>
-            <a:endParaRPr lang="en-US" altLang="zh-TW" sz="800" dirty="0"/>
+              <a:t>否</a:t>
+            </a:r>
+          </a:p>
+        </p:txBody>
+      </p:sp>
+      <p:grpSp>
+        <p:nvGrpSpPr>
+          <p:cNvPr id="123" name="群組 122">
+            <a:extLst>
+              <a:ext uri="{FF2B5EF4-FFF2-40B4-BE49-F238E27FC236}">
+                <a16:creationId xmlns:a16="http://schemas.microsoft.com/office/drawing/2014/main" id="{65B6617B-F178-CF60-43D5-9E7029EAF58B}"/>
+              </a:ext>
+            </a:extLst>
+          </p:cNvPr>
+          <p:cNvGrpSpPr/>
+          <p:nvPr/>
+        </p:nvGrpSpPr>
+        <p:grpSpPr>
+          <a:xfrm>
+            <a:off x="2578608" y="713232"/>
+            <a:ext cx="2842508" cy="591312"/>
+            <a:chOff x="2578608" y="713232"/>
+            <a:chExt cx="2842508" cy="591312"/>
+          </a:xfrm>
+        </p:grpSpPr>
+        <p:cxnSp>
+          <p:nvCxnSpPr>
+            <p:cNvPr id="115" name="直線接點 114">
+              <a:extLst>
+                <a:ext uri="{FF2B5EF4-FFF2-40B4-BE49-F238E27FC236}">
+                  <a16:creationId xmlns:a16="http://schemas.microsoft.com/office/drawing/2014/main" id="{9AFD91C4-FF2D-5363-A517-DA23F246711D}"/>
+                </a:ext>
+              </a:extLst>
+            </p:cNvPr>
+            <p:cNvCxnSpPr>
+              <a:cxnSpLocks/>
+            </p:cNvCxnSpPr>
+            <p:nvPr/>
+          </p:nvCxnSpPr>
+          <p:spPr>
+            <a:xfrm flipV="1">
+              <a:off x="2578608" y="713232"/>
+              <a:ext cx="0" cy="591312"/>
+            </a:xfrm>
+            <a:prstGeom prst="line">
+              <a:avLst/>
+            </a:prstGeom>
+          </p:spPr>
+          <p:style>
+            <a:lnRef idx="1">
+              <a:schemeClr val="accent1"/>
+            </a:lnRef>
+            <a:fillRef idx="0">
+              <a:schemeClr val="accent1"/>
+            </a:fillRef>
+            <a:effectRef idx="0">
+              <a:schemeClr val="accent1"/>
+            </a:effectRef>
+            <a:fontRef idx="minor">
+              <a:schemeClr val="tx1"/>
+            </a:fontRef>
+          </p:style>
+        </p:cxnSp>
+        <p:cxnSp>
+          <p:nvCxnSpPr>
+            <p:cNvPr id="117" name="直線接點 116">
+              <a:extLst>
+                <a:ext uri="{FF2B5EF4-FFF2-40B4-BE49-F238E27FC236}">
+                  <a16:creationId xmlns:a16="http://schemas.microsoft.com/office/drawing/2014/main" id="{4BF5336B-0099-15B5-3B33-D130A628D785}"/>
+                </a:ext>
+              </a:extLst>
+            </p:cNvPr>
+            <p:cNvCxnSpPr>
+              <a:cxnSpLocks/>
+            </p:cNvCxnSpPr>
+            <p:nvPr/>
+          </p:nvCxnSpPr>
+          <p:spPr>
+            <a:xfrm>
+              <a:off x="2578608" y="713232"/>
+              <a:ext cx="2842508" cy="0"/>
+            </a:xfrm>
+            <a:prstGeom prst="line">
+              <a:avLst/>
+            </a:prstGeom>
+          </p:spPr>
+          <p:style>
+            <a:lnRef idx="1">
+              <a:schemeClr val="accent1"/>
+            </a:lnRef>
+            <a:fillRef idx="0">
+              <a:schemeClr val="accent1"/>
+            </a:fillRef>
+            <a:effectRef idx="0">
+              <a:schemeClr val="accent1"/>
+            </a:effectRef>
+            <a:fontRef idx="minor">
+              <a:schemeClr val="tx1"/>
+            </a:fontRef>
+          </p:style>
+        </p:cxnSp>
+        <p:cxnSp>
+          <p:nvCxnSpPr>
+            <p:cNvPr id="119" name="直線單箭頭接點 118">
+              <a:extLst>
+                <a:ext uri="{FF2B5EF4-FFF2-40B4-BE49-F238E27FC236}">
+                  <a16:creationId xmlns:a16="http://schemas.microsoft.com/office/drawing/2014/main" id="{7E06DA03-B377-243C-E254-E45152AD98E7}"/>
+                </a:ext>
+              </a:extLst>
+            </p:cNvPr>
+            <p:cNvCxnSpPr>
+              <a:cxnSpLocks/>
+              <a:endCxn id="25" idx="0"/>
+            </p:cNvCxnSpPr>
+            <p:nvPr/>
+          </p:nvCxnSpPr>
+          <p:spPr>
+            <a:xfrm>
+              <a:off x="5421116" y="713232"/>
+              <a:ext cx="0" cy="219990"/>
+            </a:xfrm>
+            <a:prstGeom prst="straightConnector1">
+              <a:avLst/>
+            </a:prstGeom>
+            <a:ln>
+              <a:tailEnd type="triangle"/>
+            </a:ln>
+          </p:spPr>
+          <p:style>
+            <a:lnRef idx="1">
+              <a:schemeClr val="accent1"/>
+            </a:lnRef>
+            <a:fillRef idx="0">
+              <a:schemeClr val="accent1"/>
+            </a:fillRef>
+            <a:effectRef idx="0">
+              <a:schemeClr val="accent1"/>
+            </a:effectRef>
+            <a:fontRef idx="minor">
+              <a:schemeClr val="tx1"/>
+            </a:fontRef>
+          </p:style>
+        </p:cxnSp>
+      </p:grpSp>
+      <p:grpSp>
+        <p:nvGrpSpPr>
+          <p:cNvPr id="129" name="群組 128">
+            <a:extLst>
+              <a:ext uri="{FF2B5EF4-FFF2-40B4-BE49-F238E27FC236}">
+                <a16:creationId xmlns:a16="http://schemas.microsoft.com/office/drawing/2014/main" id="{A30B4100-9EA2-9D3B-F0BA-C04633C275AF}"/>
+              </a:ext>
+            </a:extLst>
+          </p:cNvPr>
+          <p:cNvGrpSpPr/>
+          <p:nvPr/>
+        </p:nvGrpSpPr>
+        <p:grpSpPr>
+          <a:xfrm>
+            <a:off x="2200277" y="359999"/>
+            <a:ext cx="7450730" cy="946746"/>
+            <a:chOff x="2578608" y="713232"/>
+            <a:chExt cx="2845159" cy="591312"/>
+          </a:xfrm>
+        </p:grpSpPr>
+        <p:cxnSp>
+          <p:nvCxnSpPr>
+            <p:cNvPr id="130" name="直線接點 129">
+              <a:extLst>
+                <a:ext uri="{FF2B5EF4-FFF2-40B4-BE49-F238E27FC236}">
+                  <a16:creationId xmlns:a16="http://schemas.microsoft.com/office/drawing/2014/main" id="{871E9DC9-C9EB-093E-1014-3924FB09533F}"/>
+                </a:ext>
+              </a:extLst>
+            </p:cNvPr>
+            <p:cNvCxnSpPr>
+              <a:cxnSpLocks/>
+            </p:cNvCxnSpPr>
+            <p:nvPr/>
+          </p:nvCxnSpPr>
+          <p:spPr>
+            <a:xfrm flipV="1">
+              <a:off x="2578608" y="713232"/>
+              <a:ext cx="0" cy="591312"/>
+            </a:xfrm>
+            <a:prstGeom prst="line">
+              <a:avLst/>
+            </a:prstGeom>
+          </p:spPr>
+          <p:style>
+            <a:lnRef idx="1">
+              <a:schemeClr val="accent1"/>
+            </a:lnRef>
+            <a:fillRef idx="0">
+              <a:schemeClr val="accent1"/>
+            </a:fillRef>
+            <a:effectRef idx="0">
+              <a:schemeClr val="accent1"/>
+            </a:effectRef>
+            <a:fontRef idx="minor">
+              <a:schemeClr val="tx1"/>
+            </a:fontRef>
+          </p:style>
+        </p:cxnSp>
+        <p:cxnSp>
+          <p:nvCxnSpPr>
+            <p:cNvPr id="131" name="直線接點 130">
+              <a:extLst>
+                <a:ext uri="{FF2B5EF4-FFF2-40B4-BE49-F238E27FC236}">
+                  <a16:creationId xmlns:a16="http://schemas.microsoft.com/office/drawing/2014/main" id="{FDA159BB-6F8E-0B31-4A87-8A5CEEDB13E0}"/>
+                </a:ext>
+              </a:extLst>
+            </p:cNvPr>
+            <p:cNvCxnSpPr>
+              <a:cxnSpLocks/>
+            </p:cNvCxnSpPr>
+            <p:nvPr/>
+          </p:nvCxnSpPr>
+          <p:spPr>
+            <a:xfrm>
+              <a:off x="2578608" y="713232"/>
+              <a:ext cx="2842508" cy="0"/>
+            </a:xfrm>
+            <a:prstGeom prst="line">
+              <a:avLst/>
+            </a:prstGeom>
+          </p:spPr>
+          <p:style>
+            <a:lnRef idx="1">
+              <a:schemeClr val="accent1"/>
+            </a:lnRef>
+            <a:fillRef idx="0">
+              <a:schemeClr val="accent1"/>
+            </a:fillRef>
+            <a:effectRef idx="0">
+              <a:schemeClr val="accent1"/>
+            </a:effectRef>
+            <a:fontRef idx="minor">
+              <a:schemeClr val="tx1"/>
+            </a:fontRef>
+          </p:style>
+        </p:cxnSp>
+        <p:cxnSp>
+          <p:nvCxnSpPr>
+            <p:cNvPr id="132" name="直線單箭頭接點 131">
+              <a:extLst>
+                <a:ext uri="{FF2B5EF4-FFF2-40B4-BE49-F238E27FC236}">
+                  <a16:creationId xmlns:a16="http://schemas.microsoft.com/office/drawing/2014/main" id="{C34A015C-895F-2347-0C27-AA67D85DF3D0}"/>
+                </a:ext>
+              </a:extLst>
+            </p:cNvPr>
+            <p:cNvCxnSpPr>
+              <a:cxnSpLocks/>
+              <a:endCxn id="17" idx="0"/>
+            </p:cNvCxnSpPr>
+            <p:nvPr/>
+          </p:nvCxnSpPr>
+          <p:spPr>
+            <a:xfrm>
+              <a:off x="5421116" y="713232"/>
+              <a:ext cx="2651" cy="376345"/>
+            </a:xfrm>
+            <a:prstGeom prst="straightConnector1">
+              <a:avLst/>
+            </a:prstGeom>
+            <a:ln>
+              <a:tailEnd type="triangle"/>
+            </a:ln>
+          </p:spPr>
+          <p:style>
+            <a:lnRef idx="1">
+              <a:schemeClr val="accent1"/>
+            </a:lnRef>
+            <a:fillRef idx="0">
+              <a:schemeClr val="accent1"/>
+            </a:fillRef>
+            <a:effectRef idx="0">
+              <a:schemeClr val="accent1"/>
+            </a:effectRef>
+            <a:fontRef idx="minor">
+              <a:schemeClr val="tx1"/>
+            </a:fontRef>
+          </p:style>
+        </p:cxnSp>
+      </p:grpSp>
+      <p:grpSp>
+        <p:nvGrpSpPr>
+          <p:cNvPr id="142" name="群組 141">
+            <a:extLst>
+              <a:ext uri="{FF2B5EF4-FFF2-40B4-BE49-F238E27FC236}">
+                <a16:creationId xmlns:a16="http://schemas.microsoft.com/office/drawing/2014/main" id="{962B40BE-354A-36CB-E469-FBA9E687F437}"/>
+              </a:ext>
+            </a:extLst>
+          </p:cNvPr>
+          <p:cNvGrpSpPr/>
+          <p:nvPr/>
+        </p:nvGrpSpPr>
+        <p:grpSpPr>
+          <a:xfrm flipH="1">
+            <a:off x="4687138" y="2163830"/>
+            <a:ext cx="334339" cy="894329"/>
+            <a:chOff x="4454914" y="2330838"/>
+            <a:chExt cx="334339" cy="1735416"/>
+          </a:xfrm>
+        </p:grpSpPr>
+        <p:cxnSp>
+          <p:nvCxnSpPr>
+            <p:cNvPr id="139" name="直線單箭頭接點 138">
+              <a:extLst>
+                <a:ext uri="{FF2B5EF4-FFF2-40B4-BE49-F238E27FC236}">
+                  <a16:creationId xmlns:a16="http://schemas.microsoft.com/office/drawing/2014/main" id="{D46DFF0E-98B8-9C10-012D-1CD54CB9819B}"/>
+                </a:ext>
+              </a:extLst>
+            </p:cNvPr>
+            <p:cNvCxnSpPr>
+              <a:cxnSpLocks/>
+            </p:cNvCxnSpPr>
+            <p:nvPr/>
+          </p:nvCxnSpPr>
+          <p:spPr>
+            <a:xfrm rot="10800000">
+              <a:off x="4454914" y="2330838"/>
+              <a:ext cx="334339" cy="0"/>
+            </a:xfrm>
+            <a:prstGeom prst="straightConnector1">
+              <a:avLst/>
+            </a:prstGeom>
+            <a:ln>
+              <a:tailEnd type="triangle"/>
+            </a:ln>
+          </p:spPr>
+          <p:style>
+            <a:lnRef idx="1">
+              <a:schemeClr val="accent1"/>
+            </a:lnRef>
+            <a:fillRef idx="0">
+              <a:schemeClr val="accent1"/>
+            </a:fillRef>
+            <a:effectRef idx="0">
+              <a:schemeClr val="accent1"/>
+            </a:effectRef>
+            <a:fontRef idx="minor">
+              <a:schemeClr val="tx1"/>
+            </a:fontRef>
+          </p:style>
+        </p:cxnSp>
+        <p:cxnSp>
+          <p:nvCxnSpPr>
+            <p:cNvPr id="140" name="直線接點 139">
+              <a:extLst>
+                <a:ext uri="{FF2B5EF4-FFF2-40B4-BE49-F238E27FC236}">
+                  <a16:creationId xmlns:a16="http://schemas.microsoft.com/office/drawing/2014/main" id="{D6D463B7-6CEF-2594-4C66-3173AC49E3C1}"/>
+                </a:ext>
+              </a:extLst>
+            </p:cNvPr>
+            <p:cNvCxnSpPr>
+              <a:cxnSpLocks/>
+            </p:cNvCxnSpPr>
+            <p:nvPr/>
+          </p:nvCxnSpPr>
+          <p:spPr>
+            <a:xfrm rot="10800000">
+              <a:off x="4459338" y="4066254"/>
+              <a:ext cx="329915" cy="0"/>
+            </a:xfrm>
+            <a:prstGeom prst="line">
+              <a:avLst/>
+            </a:prstGeom>
+          </p:spPr>
+          <p:style>
+            <a:lnRef idx="1">
+              <a:schemeClr val="accent1"/>
+            </a:lnRef>
+            <a:fillRef idx="0">
+              <a:schemeClr val="accent1"/>
+            </a:fillRef>
+            <a:effectRef idx="0">
+              <a:schemeClr val="accent1"/>
+            </a:effectRef>
+            <a:fontRef idx="minor">
+              <a:schemeClr val="tx1"/>
+            </a:fontRef>
+          </p:style>
+        </p:cxnSp>
+        <p:cxnSp>
+          <p:nvCxnSpPr>
+            <p:cNvPr id="141" name="直線接點 140">
+              <a:extLst>
+                <a:ext uri="{FF2B5EF4-FFF2-40B4-BE49-F238E27FC236}">
+                  <a16:creationId xmlns:a16="http://schemas.microsoft.com/office/drawing/2014/main" id="{30F329FD-6D95-9BE2-AB8A-6420E2615C2F}"/>
+                </a:ext>
+              </a:extLst>
+            </p:cNvPr>
+            <p:cNvCxnSpPr>
+              <a:cxnSpLocks/>
+            </p:cNvCxnSpPr>
+            <p:nvPr/>
+          </p:nvCxnSpPr>
+          <p:spPr>
+            <a:xfrm rot="10800000" flipV="1">
+              <a:off x="4789253" y="2330838"/>
+              <a:ext cx="0" cy="1735416"/>
+            </a:xfrm>
+            <a:prstGeom prst="line">
+              <a:avLst/>
+            </a:prstGeom>
+          </p:spPr>
+          <p:style>
+            <a:lnRef idx="1">
+              <a:schemeClr val="accent1"/>
+            </a:lnRef>
+            <a:fillRef idx="0">
+              <a:schemeClr val="accent1"/>
+            </a:fillRef>
+            <a:effectRef idx="0">
+              <a:schemeClr val="accent1"/>
+            </a:effectRef>
+            <a:fontRef idx="minor">
+              <a:schemeClr val="tx1"/>
+            </a:fontRef>
+          </p:style>
+        </p:cxnSp>
+      </p:grpSp>
+      <p:grpSp>
+        <p:nvGrpSpPr>
+          <p:cNvPr id="153" name="群組 152">
+            <a:extLst>
+              <a:ext uri="{FF2B5EF4-FFF2-40B4-BE49-F238E27FC236}">
+                <a16:creationId xmlns:a16="http://schemas.microsoft.com/office/drawing/2014/main" id="{E049B7A1-089D-C86A-EDE2-C92C9BE2519A}"/>
+              </a:ext>
+            </a:extLst>
+          </p:cNvPr>
+          <p:cNvGrpSpPr/>
+          <p:nvPr/>
+        </p:nvGrpSpPr>
+        <p:grpSpPr>
+          <a:xfrm flipH="1">
+            <a:off x="6197004" y="2240198"/>
+            <a:ext cx="334339" cy="790300"/>
+            <a:chOff x="4454914" y="2330838"/>
+            <a:chExt cx="334339" cy="1735416"/>
+          </a:xfrm>
+        </p:grpSpPr>
+        <p:cxnSp>
+          <p:nvCxnSpPr>
+            <p:cNvPr id="154" name="直線單箭頭接點 153">
+              <a:extLst>
+                <a:ext uri="{FF2B5EF4-FFF2-40B4-BE49-F238E27FC236}">
+                  <a16:creationId xmlns:a16="http://schemas.microsoft.com/office/drawing/2014/main" id="{6D225C60-5E48-449B-483F-3F9FB6FC2DDC}"/>
+                </a:ext>
+              </a:extLst>
+            </p:cNvPr>
+            <p:cNvCxnSpPr>
+              <a:cxnSpLocks/>
+            </p:cNvCxnSpPr>
+            <p:nvPr/>
+          </p:nvCxnSpPr>
+          <p:spPr>
+            <a:xfrm rot="10800000">
+              <a:off x="4454914" y="2330838"/>
+              <a:ext cx="334339" cy="0"/>
+            </a:xfrm>
+            <a:prstGeom prst="straightConnector1">
+              <a:avLst/>
+            </a:prstGeom>
+            <a:ln>
+              <a:tailEnd type="triangle"/>
+            </a:ln>
+          </p:spPr>
+          <p:style>
+            <a:lnRef idx="1">
+              <a:schemeClr val="accent1"/>
+            </a:lnRef>
+            <a:fillRef idx="0">
+              <a:schemeClr val="accent1"/>
+            </a:fillRef>
+            <a:effectRef idx="0">
+              <a:schemeClr val="accent1"/>
+            </a:effectRef>
+            <a:fontRef idx="minor">
+              <a:schemeClr val="tx1"/>
+            </a:fontRef>
+          </p:style>
+        </p:cxnSp>
+        <p:cxnSp>
+          <p:nvCxnSpPr>
+            <p:cNvPr id="155" name="直線接點 154">
+              <a:extLst>
+                <a:ext uri="{FF2B5EF4-FFF2-40B4-BE49-F238E27FC236}">
+                  <a16:creationId xmlns:a16="http://schemas.microsoft.com/office/drawing/2014/main" id="{2E44F49F-ACDF-073C-294C-D23B691FEAE4}"/>
+                </a:ext>
+              </a:extLst>
+            </p:cNvPr>
+            <p:cNvCxnSpPr>
+              <a:cxnSpLocks/>
+            </p:cNvCxnSpPr>
+            <p:nvPr/>
+          </p:nvCxnSpPr>
+          <p:spPr>
+            <a:xfrm rot="10800000">
+              <a:off x="4459338" y="4066254"/>
+              <a:ext cx="329915" cy="0"/>
+            </a:xfrm>
+            <a:prstGeom prst="line">
+              <a:avLst/>
+            </a:prstGeom>
+          </p:spPr>
+          <p:style>
+            <a:lnRef idx="1">
+              <a:schemeClr val="accent1"/>
+            </a:lnRef>
+            <a:fillRef idx="0">
+              <a:schemeClr val="accent1"/>
+            </a:fillRef>
+            <a:effectRef idx="0">
+              <a:schemeClr val="accent1"/>
+            </a:effectRef>
+            <a:fontRef idx="minor">
+              <a:schemeClr val="tx1"/>
+            </a:fontRef>
+          </p:style>
+        </p:cxnSp>
+        <p:cxnSp>
+          <p:nvCxnSpPr>
+            <p:cNvPr id="156" name="直線接點 155">
+              <a:extLst>
+                <a:ext uri="{FF2B5EF4-FFF2-40B4-BE49-F238E27FC236}">
+                  <a16:creationId xmlns:a16="http://schemas.microsoft.com/office/drawing/2014/main" id="{900BE8D8-98E1-A9BE-04A1-598B55D6F846}"/>
+                </a:ext>
+              </a:extLst>
+            </p:cNvPr>
+            <p:cNvCxnSpPr>
+              <a:cxnSpLocks/>
+            </p:cNvCxnSpPr>
+            <p:nvPr/>
+          </p:nvCxnSpPr>
+          <p:spPr>
+            <a:xfrm rot="10800000" flipV="1">
+              <a:off x="4789253" y="2330838"/>
+              <a:ext cx="0" cy="1735416"/>
+            </a:xfrm>
+            <a:prstGeom prst="line">
+              <a:avLst/>
+            </a:prstGeom>
+          </p:spPr>
+          <p:style>
+            <a:lnRef idx="1">
+              <a:schemeClr val="accent1"/>
+            </a:lnRef>
+            <a:fillRef idx="0">
+              <a:schemeClr val="accent1"/>
+            </a:fillRef>
+            <a:effectRef idx="0">
+              <a:schemeClr val="accent1"/>
+            </a:effectRef>
+            <a:fontRef idx="minor">
+              <a:schemeClr val="tx1"/>
+            </a:fontRef>
+          </p:style>
+        </p:cxnSp>
+      </p:grpSp>
+      <p:sp>
+        <p:nvSpPr>
+          <p:cNvPr id="157" name="文字方塊 156">
+            <a:extLst>
+              <a:ext uri="{FF2B5EF4-FFF2-40B4-BE49-F238E27FC236}">
+                <a16:creationId xmlns:a16="http://schemas.microsoft.com/office/drawing/2014/main" id="{E0C383F4-3624-4337-7264-BBDDE03C04C0}"/>
+              </a:ext>
+            </a:extLst>
+          </p:cNvPr>
+          <p:cNvSpPr txBox="1"/>
+          <p:nvPr/>
+        </p:nvSpPr>
+        <p:spPr>
+          <a:xfrm>
+            <a:off x="6245464" y="2820677"/>
+            <a:ext cx="475068" cy="215444"/>
+          </a:xfrm>
+          <a:prstGeom prst="rect">
+            <a:avLst/>
+          </a:prstGeom>
+          <a:noFill/>
+        </p:spPr>
+        <p:txBody>
+          <a:bodyPr wrap="square" rtlCol="0">
+            <a:spAutoFit/>
+          </a:bodyPr>
+          <a:lstStyle/>
+          <a:p>
+            <a:r>
+              <a:rPr lang="zh-TW" altLang="en-US" sz="800" dirty="0"/>
+              <a:t>否</a:t>
+            </a:r>
+          </a:p>
+        </p:txBody>
+      </p:sp>
+      <p:cxnSp>
+        <p:nvCxnSpPr>
+          <p:cNvPr id="163" name="直線接點 162">
+            <a:extLst>
+              <a:ext uri="{FF2B5EF4-FFF2-40B4-BE49-F238E27FC236}">
+                <a16:creationId xmlns:a16="http://schemas.microsoft.com/office/drawing/2014/main" id="{023CFB81-0541-35D1-B775-F97BE76FD4B5}"/>
+              </a:ext>
+            </a:extLst>
+          </p:cNvPr>
+          <p:cNvCxnSpPr>
+            <a:cxnSpLocks/>
+            <a:endCxn id="28" idx="0"/>
+          </p:cNvCxnSpPr>
+          <p:nvPr/>
+        </p:nvCxnSpPr>
+        <p:spPr>
+          <a:xfrm>
+            <a:off x="8278519" y="1702999"/>
+            <a:ext cx="0" cy="101129"/>
+          </a:xfrm>
+          <a:prstGeom prst="line">
+            <a:avLst/>
+          </a:prstGeom>
+        </p:spPr>
+        <p:style>
+          <a:lnRef idx="1">
+            <a:schemeClr val="accent1"/>
+          </a:lnRef>
+          <a:fillRef idx="0">
+            <a:schemeClr val="accent1"/>
+          </a:fillRef>
+          <a:effectRef idx="0">
+            <a:schemeClr val="accent1"/>
+          </a:effectRef>
+          <a:fontRef idx="minor">
+            <a:schemeClr val="tx1"/>
+          </a:fontRef>
+        </p:style>
+      </p:cxnSp>
+      <p:cxnSp>
+        <p:nvCxnSpPr>
+          <p:cNvPr id="166" name="直線單箭頭接點 165">
+            <a:extLst>
+              <a:ext uri="{FF2B5EF4-FFF2-40B4-BE49-F238E27FC236}">
+                <a16:creationId xmlns:a16="http://schemas.microsoft.com/office/drawing/2014/main" id="{4A9F4929-CF7B-17D0-A00B-B6007451EF8F}"/>
+              </a:ext>
+            </a:extLst>
+          </p:cNvPr>
+          <p:cNvCxnSpPr>
+            <a:cxnSpLocks/>
+          </p:cNvCxnSpPr>
+          <p:nvPr/>
+        </p:nvCxnSpPr>
+        <p:spPr>
+          <a:xfrm flipH="1">
+            <a:off x="6940024" y="1702999"/>
+            <a:ext cx="1338495" cy="0"/>
+          </a:xfrm>
+          <a:prstGeom prst="straightConnector1">
+            <a:avLst/>
+          </a:prstGeom>
+          <a:ln>
+            <a:tailEnd type="triangle"/>
+          </a:ln>
+        </p:spPr>
+        <p:style>
+          <a:lnRef idx="1">
+            <a:schemeClr val="accent1"/>
+          </a:lnRef>
+          <a:fillRef idx="0">
+            <a:schemeClr val="accent1"/>
+          </a:fillRef>
+          <a:effectRef idx="0">
+            <a:schemeClr val="accent1"/>
+          </a:effectRef>
+          <a:fontRef idx="minor">
+            <a:schemeClr val="tx1"/>
+          </a:fontRef>
+        </p:style>
+      </p:cxnSp>
+      <p:grpSp>
+        <p:nvGrpSpPr>
+          <p:cNvPr id="176" name="群組 175">
+            <a:extLst>
+              <a:ext uri="{FF2B5EF4-FFF2-40B4-BE49-F238E27FC236}">
+                <a16:creationId xmlns:a16="http://schemas.microsoft.com/office/drawing/2014/main" id="{7EB73852-E707-B8FF-0C4D-B7C1708FE4E6}"/>
+              </a:ext>
+            </a:extLst>
+          </p:cNvPr>
+          <p:cNvGrpSpPr/>
+          <p:nvPr/>
+        </p:nvGrpSpPr>
+        <p:grpSpPr>
+          <a:xfrm flipH="1">
+            <a:off x="6004560" y="2029970"/>
+            <a:ext cx="526784" cy="2883470"/>
+            <a:chOff x="4454914" y="2330838"/>
+            <a:chExt cx="334339" cy="1735416"/>
+          </a:xfrm>
+        </p:grpSpPr>
+        <p:cxnSp>
+          <p:nvCxnSpPr>
+            <p:cNvPr id="177" name="直線單箭頭接點 176">
+              <a:extLst>
+                <a:ext uri="{FF2B5EF4-FFF2-40B4-BE49-F238E27FC236}">
+                  <a16:creationId xmlns:a16="http://schemas.microsoft.com/office/drawing/2014/main" id="{24365D06-838B-F1F2-A200-CF9ADF8F13BE}"/>
+                </a:ext>
+              </a:extLst>
+            </p:cNvPr>
+            <p:cNvCxnSpPr>
+              <a:cxnSpLocks/>
+            </p:cNvCxnSpPr>
+            <p:nvPr/>
+          </p:nvCxnSpPr>
+          <p:spPr>
+            <a:xfrm rot="10800000">
+              <a:off x="4454914" y="2330838"/>
+              <a:ext cx="334339" cy="0"/>
+            </a:xfrm>
+            <a:prstGeom prst="straightConnector1">
+              <a:avLst/>
+            </a:prstGeom>
+            <a:ln>
+              <a:tailEnd type="triangle"/>
+            </a:ln>
+          </p:spPr>
+          <p:style>
+            <a:lnRef idx="1">
+              <a:schemeClr val="accent1"/>
+            </a:lnRef>
+            <a:fillRef idx="0">
+              <a:schemeClr val="accent1"/>
+            </a:fillRef>
+            <a:effectRef idx="0">
+              <a:schemeClr val="accent1"/>
+            </a:effectRef>
+            <a:fontRef idx="minor">
+              <a:schemeClr val="tx1"/>
+            </a:fontRef>
+          </p:style>
+        </p:cxnSp>
+        <p:cxnSp>
+          <p:nvCxnSpPr>
+            <p:cNvPr id="178" name="直線接點 177">
+              <a:extLst>
+                <a:ext uri="{FF2B5EF4-FFF2-40B4-BE49-F238E27FC236}">
+                  <a16:creationId xmlns:a16="http://schemas.microsoft.com/office/drawing/2014/main" id="{BA935245-40A7-DD8C-0EA3-CE615D6EC689}"/>
+                </a:ext>
+              </a:extLst>
+            </p:cNvPr>
+            <p:cNvCxnSpPr>
+              <a:cxnSpLocks/>
+            </p:cNvCxnSpPr>
+            <p:nvPr/>
+          </p:nvCxnSpPr>
+          <p:spPr>
+            <a:xfrm rot="10800000">
+              <a:off x="4459338" y="4066254"/>
+              <a:ext cx="329915" cy="0"/>
+            </a:xfrm>
+            <a:prstGeom prst="line">
+              <a:avLst/>
+            </a:prstGeom>
+          </p:spPr>
+          <p:style>
+            <a:lnRef idx="1">
+              <a:schemeClr val="accent1"/>
+            </a:lnRef>
+            <a:fillRef idx="0">
+              <a:schemeClr val="accent1"/>
+            </a:fillRef>
+            <a:effectRef idx="0">
+              <a:schemeClr val="accent1"/>
+            </a:effectRef>
+            <a:fontRef idx="minor">
+              <a:schemeClr val="tx1"/>
+            </a:fontRef>
+          </p:style>
+        </p:cxnSp>
+        <p:cxnSp>
+          <p:nvCxnSpPr>
+            <p:cNvPr id="179" name="直線接點 178">
+              <a:extLst>
+                <a:ext uri="{FF2B5EF4-FFF2-40B4-BE49-F238E27FC236}">
+                  <a16:creationId xmlns:a16="http://schemas.microsoft.com/office/drawing/2014/main" id="{FA9FA79F-FEC5-696E-F754-2C2EFD3BD60E}"/>
+                </a:ext>
+              </a:extLst>
+            </p:cNvPr>
+            <p:cNvCxnSpPr>
+              <a:cxnSpLocks/>
+            </p:cNvCxnSpPr>
+            <p:nvPr/>
+          </p:nvCxnSpPr>
+          <p:spPr>
+            <a:xfrm rot="10800000" flipV="1">
+              <a:off x="4789253" y="2330838"/>
+              <a:ext cx="0" cy="1735416"/>
+            </a:xfrm>
+            <a:prstGeom prst="line">
+              <a:avLst/>
+            </a:prstGeom>
+          </p:spPr>
+          <p:style>
+            <a:lnRef idx="1">
+              <a:schemeClr val="accent1"/>
+            </a:lnRef>
+            <a:fillRef idx="0">
+              <a:schemeClr val="accent1"/>
+            </a:fillRef>
+            <a:effectRef idx="0">
+              <a:schemeClr val="accent1"/>
+            </a:effectRef>
+            <a:fontRef idx="minor">
+              <a:schemeClr val="tx1"/>
+            </a:fontRef>
+          </p:style>
+        </p:cxnSp>
+      </p:grpSp>
+      <p:sp>
+        <p:nvSpPr>
+          <p:cNvPr id="187" name="文字方塊 186">
+            <a:extLst>
+              <a:ext uri="{FF2B5EF4-FFF2-40B4-BE49-F238E27FC236}">
+                <a16:creationId xmlns:a16="http://schemas.microsoft.com/office/drawing/2014/main" id="{CFC92FDA-24FE-499D-F57F-A8B1470A4991}"/>
+              </a:ext>
+            </a:extLst>
+          </p:cNvPr>
+          <p:cNvSpPr txBox="1"/>
+          <p:nvPr/>
+        </p:nvSpPr>
+        <p:spPr>
+          <a:xfrm>
+            <a:off x="7966232" y="1451849"/>
+            <a:ext cx="475068" cy="215444"/>
+          </a:xfrm>
+          <a:prstGeom prst="rect">
+            <a:avLst/>
+          </a:prstGeom>
+          <a:noFill/>
+        </p:spPr>
+        <p:txBody>
+          <a:bodyPr wrap="square" rtlCol="0">
+            <a:spAutoFit/>
+          </a:bodyPr>
+          <a:lstStyle/>
+          <a:p>
+            <a:r>
+              <a:rPr lang="zh-TW" altLang="en-US" sz="800" dirty="0"/>
+              <a:t>否</a:t>
+            </a:r>
+          </a:p>
+        </p:txBody>
+      </p:sp>
+      <p:grpSp>
+        <p:nvGrpSpPr>
+          <p:cNvPr id="192" name="群組 191">
+            <a:extLst>
+              <a:ext uri="{FF2B5EF4-FFF2-40B4-BE49-F238E27FC236}">
+                <a16:creationId xmlns:a16="http://schemas.microsoft.com/office/drawing/2014/main" id="{3D5E908B-E5CD-DC00-D76D-EB4D4AA1252C}"/>
+              </a:ext>
+            </a:extLst>
+          </p:cNvPr>
+          <p:cNvGrpSpPr/>
+          <p:nvPr/>
+        </p:nvGrpSpPr>
+        <p:grpSpPr>
+          <a:xfrm>
+            <a:off x="9651007" y="1719202"/>
+            <a:ext cx="976486" cy="101129"/>
+            <a:chOff x="9651006" y="1719202"/>
+            <a:chExt cx="1338495" cy="101129"/>
+          </a:xfrm>
+        </p:grpSpPr>
+        <p:cxnSp>
+          <p:nvCxnSpPr>
+            <p:cNvPr id="190" name="直線接點 189">
+              <a:extLst>
+                <a:ext uri="{FF2B5EF4-FFF2-40B4-BE49-F238E27FC236}">
+                  <a16:creationId xmlns:a16="http://schemas.microsoft.com/office/drawing/2014/main" id="{FEDA3161-584A-A8CF-2ADE-4315E4CE2587}"/>
+                </a:ext>
+              </a:extLst>
+            </p:cNvPr>
+            <p:cNvCxnSpPr>
+              <a:cxnSpLocks/>
+            </p:cNvCxnSpPr>
+            <p:nvPr/>
+          </p:nvCxnSpPr>
+          <p:spPr>
+            <a:xfrm>
+              <a:off x="10989501" y="1719202"/>
+              <a:ext cx="0" cy="101129"/>
+            </a:xfrm>
+            <a:prstGeom prst="line">
+              <a:avLst/>
+            </a:prstGeom>
+          </p:spPr>
+          <p:style>
+            <a:lnRef idx="1">
+              <a:schemeClr val="accent1"/>
+            </a:lnRef>
+            <a:fillRef idx="0">
+              <a:schemeClr val="accent1"/>
+            </a:fillRef>
+            <a:effectRef idx="0">
+              <a:schemeClr val="accent1"/>
+            </a:effectRef>
+            <a:fontRef idx="minor">
+              <a:schemeClr val="tx1"/>
+            </a:fontRef>
+          </p:style>
+        </p:cxnSp>
+        <p:cxnSp>
+          <p:nvCxnSpPr>
+            <p:cNvPr id="191" name="直線單箭頭接點 190">
+              <a:extLst>
+                <a:ext uri="{FF2B5EF4-FFF2-40B4-BE49-F238E27FC236}">
+                  <a16:creationId xmlns:a16="http://schemas.microsoft.com/office/drawing/2014/main" id="{5F10B4E1-7217-524C-1D14-E952FE9FF78E}"/>
+                </a:ext>
+              </a:extLst>
+            </p:cNvPr>
+            <p:cNvCxnSpPr>
+              <a:cxnSpLocks/>
+            </p:cNvCxnSpPr>
+            <p:nvPr/>
+          </p:nvCxnSpPr>
+          <p:spPr>
+            <a:xfrm flipH="1">
+              <a:off x="9651006" y="1719202"/>
+              <a:ext cx="1338495" cy="0"/>
+            </a:xfrm>
+            <a:prstGeom prst="straightConnector1">
+              <a:avLst/>
+            </a:prstGeom>
+            <a:ln>
+              <a:tailEnd type="triangle"/>
+            </a:ln>
+          </p:spPr>
+          <p:style>
+            <a:lnRef idx="1">
+              <a:schemeClr val="accent1"/>
+            </a:lnRef>
+            <a:fillRef idx="0">
+              <a:schemeClr val="accent1"/>
+            </a:fillRef>
+            <a:effectRef idx="0">
+              <a:schemeClr val="accent1"/>
+            </a:effectRef>
+            <a:fontRef idx="minor">
+              <a:schemeClr val="tx1"/>
+            </a:fontRef>
+          </p:style>
+        </p:cxnSp>
+      </p:grpSp>
+      <p:sp>
+        <p:nvSpPr>
+          <p:cNvPr id="194" name="文字方塊 193">
+            <a:extLst>
+              <a:ext uri="{FF2B5EF4-FFF2-40B4-BE49-F238E27FC236}">
+                <a16:creationId xmlns:a16="http://schemas.microsoft.com/office/drawing/2014/main" id="{0486B19C-1496-5A93-40EA-C50F5301BADF}"/>
+              </a:ext>
+            </a:extLst>
+          </p:cNvPr>
+          <p:cNvSpPr txBox="1"/>
+          <p:nvPr/>
+        </p:nvSpPr>
+        <p:spPr>
+          <a:xfrm>
+            <a:off x="9993959" y="1957003"/>
+            <a:ext cx="475068" cy="215444"/>
+          </a:xfrm>
+          <a:prstGeom prst="rect">
+            <a:avLst/>
+          </a:prstGeom>
+          <a:noFill/>
+        </p:spPr>
+        <p:txBody>
+          <a:bodyPr wrap="square" rtlCol="0">
+            <a:spAutoFit/>
+          </a:bodyPr>
+          <a:lstStyle/>
+          <a:p>
+            <a:r>
+              <a:rPr lang="zh-TW" altLang="en-US" sz="800" dirty="0"/>
+              <a:t>否</a:t>
+            </a:r>
           </a:p>
         </p:txBody>
       </p:sp>
